--- a/FigureMaking.pptx
+++ b/FigureMaking.pptx
@@ -5,22 +5,25 @@
     <p:sldMasterId id="2147483648" r:id="rId1"/>
   </p:sldMasterIdLst>
   <p:sldIdLst>
-    <p:sldId id="256" r:id="rId2"/>
-    <p:sldId id="257" r:id="rId3"/>
-    <p:sldId id="260" r:id="rId4"/>
-    <p:sldId id="262" r:id="rId5"/>
-    <p:sldId id="259" r:id="rId6"/>
-    <p:sldId id="258" r:id="rId7"/>
-    <p:sldId id="263" r:id="rId8"/>
-    <p:sldId id="264" r:id="rId9"/>
-    <p:sldId id="273" r:id="rId10"/>
-    <p:sldId id="265" r:id="rId11"/>
-    <p:sldId id="268" r:id="rId12"/>
-    <p:sldId id="266" r:id="rId13"/>
-    <p:sldId id="269" r:id="rId14"/>
-    <p:sldId id="270" r:id="rId15"/>
-    <p:sldId id="271" r:id="rId16"/>
-    <p:sldId id="272" r:id="rId17"/>
+    <p:sldId id="274" r:id="rId2"/>
+    <p:sldId id="256" r:id="rId3"/>
+    <p:sldId id="275" r:id="rId4"/>
+    <p:sldId id="257" r:id="rId5"/>
+    <p:sldId id="260" r:id="rId6"/>
+    <p:sldId id="262" r:id="rId7"/>
+    <p:sldId id="259" r:id="rId8"/>
+    <p:sldId id="276" r:id="rId9"/>
+    <p:sldId id="258" r:id="rId10"/>
+    <p:sldId id="263" r:id="rId11"/>
+    <p:sldId id="264" r:id="rId12"/>
+    <p:sldId id="273" r:id="rId13"/>
+    <p:sldId id="265" r:id="rId14"/>
+    <p:sldId id="268" r:id="rId15"/>
+    <p:sldId id="266" r:id="rId16"/>
+    <p:sldId id="269" r:id="rId17"/>
+    <p:sldId id="270" r:id="rId18"/>
+    <p:sldId id="271" r:id="rId19"/>
+    <p:sldId id="272" r:id="rId20"/>
   </p:sldIdLst>
   <p:sldSz cx="12192000" cy="6858000"/>
   <p:notesSz cx="6858000" cy="9144000"/>
@@ -12230,7 +12233,7 @@
           <a:p>
             <a:fld id="{EF9050F2-8D7C-415A-AA29-920B8C1BD8E6}" type="datetimeFigureOut">
               <a:rPr lang="en-US" smtClean="0"/>
-              <a:t>1/27/2024</a:t>
+              <a:t>9/19/2024</a:t>
             </a:fld>
             <a:endParaRPr lang="en-US"/>
           </a:p>
@@ -12428,7 +12431,7 @@
           <a:p>
             <a:fld id="{EF9050F2-8D7C-415A-AA29-920B8C1BD8E6}" type="datetimeFigureOut">
               <a:rPr lang="en-US" smtClean="0"/>
-              <a:t>1/27/2024</a:t>
+              <a:t>9/19/2024</a:t>
             </a:fld>
             <a:endParaRPr lang="en-US"/>
           </a:p>
@@ -12636,7 +12639,7 @@
           <a:p>
             <a:fld id="{EF9050F2-8D7C-415A-AA29-920B8C1BD8E6}" type="datetimeFigureOut">
               <a:rPr lang="en-US" smtClean="0"/>
-              <a:t>1/27/2024</a:t>
+              <a:t>9/19/2024</a:t>
             </a:fld>
             <a:endParaRPr lang="en-US"/>
           </a:p>
@@ -12834,7 +12837,7 @@
           <a:p>
             <a:fld id="{EF9050F2-8D7C-415A-AA29-920B8C1BD8E6}" type="datetimeFigureOut">
               <a:rPr lang="en-US" smtClean="0"/>
-              <a:t>1/27/2024</a:t>
+              <a:t>9/19/2024</a:t>
             </a:fld>
             <a:endParaRPr lang="en-US"/>
           </a:p>
@@ -13109,7 +13112,7 @@
           <a:p>
             <a:fld id="{EF9050F2-8D7C-415A-AA29-920B8C1BD8E6}" type="datetimeFigureOut">
               <a:rPr lang="en-US" smtClean="0"/>
-              <a:t>1/27/2024</a:t>
+              <a:t>9/19/2024</a:t>
             </a:fld>
             <a:endParaRPr lang="en-US"/>
           </a:p>
@@ -13374,7 +13377,7 @@
           <a:p>
             <a:fld id="{EF9050F2-8D7C-415A-AA29-920B8C1BD8E6}" type="datetimeFigureOut">
               <a:rPr lang="en-US" smtClean="0"/>
-              <a:t>1/27/2024</a:t>
+              <a:t>9/19/2024</a:t>
             </a:fld>
             <a:endParaRPr lang="en-US"/>
           </a:p>
@@ -13786,7 +13789,7 @@
           <a:p>
             <a:fld id="{EF9050F2-8D7C-415A-AA29-920B8C1BD8E6}" type="datetimeFigureOut">
               <a:rPr lang="en-US" smtClean="0"/>
-              <a:t>1/27/2024</a:t>
+              <a:t>9/19/2024</a:t>
             </a:fld>
             <a:endParaRPr lang="en-US"/>
           </a:p>
@@ -13927,7 +13930,7 @@
           <a:p>
             <a:fld id="{EF9050F2-8D7C-415A-AA29-920B8C1BD8E6}" type="datetimeFigureOut">
               <a:rPr lang="en-US" smtClean="0"/>
-              <a:t>1/27/2024</a:t>
+              <a:t>9/19/2024</a:t>
             </a:fld>
             <a:endParaRPr lang="en-US"/>
           </a:p>
@@ -14040,7 +14043,7 @@
           <a:p>
             <a:fld id="{EF9050F2-8D7C-415A-AA29-920B8C1BD8E6}" type="datetimeFigureOut">
               <a:rPr lang="en-US" smtClean="0"/>
-              <a:t>1/27/2024</a:t>
+              <a:t>9/19/2024</a:t>
             </a:fld>
             <a:endParaRPr lang="en-US"/>
           </a:p>
@@ -14351,7 +14354,7 @@
           <a:p>
             <a:fld id="{EF9050F2-8D7C-415A-AA29-920B8C1BD8E6}" type="datetimeFigureOut">
               <a:rPr lang="en-US" smtClean="0"/>
-              <a:t>1/27/2024</a:t>
+              <a:t>9/19/2024</a:t>
             </a:fld>
             <a:endParaRPr lang="en-US"/>
           </a:p>
@@ -14639,7 +14642,7 @@
           <a:p>
             <a:fld id="{EF9050F2-8D7C-415A-AA29-920B8C1BD8E6}" type="datetimeFigureOut">
               <a:rPr lang="en-US" smtClean="0"/>
-              <a:t>1/27/2024</a:t>
+              <a:t>9/19/2024</a:t>
             </a:fld>
             <a:endParaRPr lang="en-US"/>
           </a:p>
@@ -14880,7 +14883,7 @@
           <a:p>
             <a:fld id="{EF9050F2-8D7C-415A-AA29-920B8C1BD8E6}" type="datetimeFigureOut">
               <a:rPr lang="en-US" smtClean="0"/>
-              <a:t>1/27/2024</a:t>
+              <a:t>9/19/2024</a:t>
             </a:fld>
             <a:endParaRPr lang="en-US"/>
           </a:p>
@@ -15299,10 +15302,10 @@
       </p:grpSpPr>
       <p:pic>
         <p:nvPicPr>
-          <p:cNvPr id="9" name="Picture 8" descr="A screenshot of a computer game&#10;&#10;Description automatically generated">
+          <p:cNvPr id="5" name="Picture 4">
             <a:extLst>
               <a:ext uri="{FF2B5EF4-FFF2-40B4-BE49-F238E27FC236}">
-                <a16:creationId xmlns:a16="http://schemas.microsoft.com/office/drawing/2014/main" id="{94711CAE-C226-FD80-32E7-EA0181B57E9A}"/>
+                <a16:creationId xmlns:a16="http://schemas.microsoft.com/office/drawing/2014/main" id="{60DC429A-417F-5ADD-DB46-4B8871784A23}"/>
               </a:ext>
             </a:extLst>
           </p:cNvPr>
@@ -15312,57 +15315,15 @@
           <p:nvPr/>
         </p:nvPicPr>
         <p:blipFill>
-          <a:blip r:embed="rId2">
-            <a:extLst>
-              <a:ext uri="{28A0092B-C50C-407E-A947-70E740481C1C}">
-                <a14:useLocalDpi xmlns:a14="http://schemas.microsoft.com/office/drawing/2010/main" val="0"/>
-              </a:ext>
-            </a:extLst>
-          </a:blip>
+          <a:blip r:embed="rId2"/>
           <a:stretch>
             <a:fillRect/>
           </a:stretch>
         </p:blipFill>
         <p:spPr>
           <a:xfrm>
-            <a:off x="1426712" y="1077301"/>
-            <a:ext cx="4560697" cy="4572000"/>
-          </a:xfrm>
-          <a:prstGeom prst="rect">
-            <a:avLst/>
-          </a:prstGeom>
-        </p:spPr>
-      </p:pic>
-      <p:pic>
-        <p:nvPicPr>
-          <p:cNvPr id="20" name="Picture 19" descr="A screenshot of a computer game&#10;&#10;Description automatically generated">
-            <a:extLst>
-              <a:ext uri="{FF2B5EF4-FFF2-40B4-BE49-F238E27FC236}">
-                <a16:creationId xmlns:a16="http://schemas.microsoft.com/office/drawing/2014/main" id="{A218A586-B28A-6730-9D51-7FCD84EB63ED}"/>
-              </a:ext>
-            </a:extLst>
-          </p:cNvPr>
-          <p:cNvPicPr>
-            <a:picLocks noChangeAspect="1"/>
-          </p:cNvPicPr>
-          <p:nvPr/>
-        </p:nvPicPr>
-        <p:blipFill>
-          <a:blip r:embed="rId3">
-            <a:extLst>
-              <a:ext uri="{28A0092B-C50C-407E-A947-70E740481C1C}">
-                <a14:useLocalDpi xmlns:a14="http://schemas.microsoft.com/office/drawing/2010/main" val="0"/>
-              </a:ext>
-            </a:extLst>
-          </a:blip>
-          <a:stretch>
-            <a:fillRect/>
-          </a:stretch>
-        </p:blipFill>
-        <p:spPr>
-          <a:xfrm>
-            <a:off x="5987409" y="1050142"/>
-            <a:ext cx="4572000" cy="4635435"/>
+            <a:off x="2643187" y="1462087"/>
+            <a:ext cx="6905625" cy="3933825"/>
           </a:xfrm>
           <a:prstGeom prst="rect">
             <a:avLst/>
@@ -15372,7 +15333,7 @@
     </p:spTree>
     <p:extLst>
       <p:ext uri="{BB962C8B-B14F-4D97-AF65-F5344CB8AC3E}">
-        <p14:creationId xmlns:p14="http://schemas.microsoft.com/office/powerpoint/2010/main" val="1414865602"/>
+        <p14:creationId xmlns:p14="http://schemas.microsoft.com/office/powerpoint/2010/main" val="1305852428"/>
       </p:ext>
     </p:extLst>
   </p:cSld>
@@ -15383,6 +15344,1964 @@
 </file>
 
 <file path=ppt/slides/slide10.xml><?xml version="1.0" encoding="utf-8"?>
+<p:sld xmlns:a="http://schemas.openxmlformats.org/drawingml/2006/main" xmlns:r="http://schemas.openxmlformats.org/officeDocument/2006/relationships" xmlns:p="http://schemas.openxmlformats.org/presentationml/2006/main">
+  <p:cSld>
+    <p:spTree>
+      <p:nvGrpSpPr>
+        <p:cNvPr id="1" name=""/>
+        <p:cNvGrpSpPr/>
+        <p:nvPr/>
+      </p:nvGrpSpPr>
+      <p:grpSpPr>
+        <a:xfrm>
+          <a:off x="0" y="0"/>
+          <a:ext cx="0" cy="0"/>
+          <a:chOff x="0" y="0"/>
+          <a:chExt cx="0" cy="0"/>
+        </a:xfrm>
+      </p:grpSpPr>
+      <mc:AlternateContent xmlns:mc="http://schemas.openxmlformats.org/markup-compatibility/2006" xmlns:a14="http://schemas.microsoft.com/office/drawing/2010/main">
+        <mc:Choice Requires="a14">
+          <p:sp>
+            <p:nvSpPr>
+              <p:cNvPr id="2" name="TextBox 1">
+                <a:extLst>
+                  <a:ext uri="{FF2B5EF4-FFF2-40B4-BE49-F238E27FC236}">
+                    <a16:creationId xmlns:a16="http://schemas.microsoft.com/office/drawing/2014/main" id="{55AF6335-2281-3D07-F557-843C40B3BF2F}"/>
+                  </a:ext>
+                </a:extLst>
+              </p:cNvPr>
+              <p:cNvSpPr txBox="1"/>
+              <p:nvPr/>
+            </p:nvSpPr>
+            <p:spPr>
+              <a:xfrm>
+                <a:off x="1608010" y="716121"/>
+                <a:ext cx="918265" cy="572273"/>
+              </a:xfrm>
+              <a:prstGeom prst="rect">
+                <a:avLst/>
+              </a:prstGeom>
+              <a:noFill/>
+            </p:spPr>
+            <p:txBody>
+              <a:bodyPr wrap="none" lIns="0" tIns="0" rIns="0" bIns="0" rtlCol="0">
+                <a:spAutoFit/>
+              </a:bodyPr>
+              <a:lstStyle/>
+              <a:p>
+                <a:pPr/>
+                <a14:m>
+                  <m:oMathPara xmlns:m="http://schemas.openxmlformats.org/officeDocument/2006/math">
+                    <m:oMathParaPr>
+                      <m:jc m:val="centerGroup"/>
+                    </m:oMathParaPr>
+                    <m:oMath xmlns:m="http://schemas.openxmlformats.org/officeDocument/2006/math">
+                      <m:r>
+                        <a:rPr lang="en-US" b="0" i="1" smtClean="0">
+                          <a:latin typeface="Cambria Math" panose="02040503050406030204" pitchFamily="18" charset="0"/>
+                        </a:rPr>
+                        <m:t>𝑆𝐸</m:t>
+                      </m:r>
+                      <m:r>
+                        <a:rPr lang="en-US" i="1" smtClean="0">
+                          <a:latin typeface="Cambria Math" panose="02040503050406030204" pitchFamily="18" charset="0"/>
+                        </a:rPr>
+                        <m:t>=</m:t>
+                      </m:r>
+                      <m:f>
+                        <m:fPr>
+                          <m:ctrlPr>
+                            <a:rPr lang="en-US" i="1" smtClean="0">
+                              <a:latin typeface="Cambria Math" panose="02040503050406030204" pitchFamily="18" charset="0"/>
+                            </a:rPr>
+                          </m:ctrlPr>
+                        </m:fPr>
+                        <m:num>
+                          <m:r>
+                            <a:rPr lang="en-US" b="0" i="1" smtClean="0">
+                              <a:latin typeface="Cambria Math" panose="02040503050406030204" pitchFamily="18" charset="0"/>
+                            </a:rPr>
+                            <m:t>𝑆𝐷</m:t>
+                          </m:r>
+                        </m:num>
+                        <m:den>
+                          <m:rad>
+                            <m:radPr>
+                              <m:degHide m:val="on"/>
+                              <m:ctrlPr>
+                                <a:rPr lang="en-US" i="1" smtClean="0">
+                                  <a:latin typeface="Cambria Math" panose="02040503050406030204" pitchFamily="18" charset="0"/>
+                                </a:rPr>
+                              </m:ctrlPr>
+                            </m:radPr>
+                            <m:deg/>
+                            <m:e>
+                              <m:r>
+                                <a:rPr lang="en-US" b="0" i="1" smtClean="0">
+                                  <a:latin typeface="Cambria Math" panose="02040503050406030204" pitchFamily="18" charset="0"/>
+                                </a:rPr>
+                                <m:t>𝑛</m:t>
+                              </m:r>
+                            </m:e>
+                          </m:rad>
+                        </m:den>
+                      </m:f>
+                    </m:oMath>
+                  </m:oMathPara>
+                </a14:m>
+                <a:endParaRPr lang="en-US" dirty="0"/>
+              </a:p>
+            </p:txBody>
+          </p:sp>
+        </mc:Choice>
+        <mc:Fallback xmlns="">
+          <p:sp>
+            <p:nvSpPr>
+              <p:cNvPr id="2" name="TextBox 1">
+                <a:extLst>
+                  <a:ext uri="{FF2B5EF4-FFF2-40B4-BE49-F238E27FC236}">
+                    <a16:creationId xmlns:a16="http://schemas.microsoft.com/office/drawing/2014/main" id="{55AF6335-2281-3D07-F557-843C40B3BF2F}"/>
+                  </a:ext>
+                </a:extLst>
+              </p:cNvPr>
+              <p:cNvSpPr txBox="1">
+                <a:spLocks noRot="1" noChangeAspect="1" noMove="1" noResize="1" noEditPoints="1" noAdjustHandles="1" noChangeArrowheads="1" noChangeShapeType="1" noTextEdit="1"/>
+              </p:cNvSpPr>
+              <p:nvPr/>
+            </p:nvSpPr>
+            <p:spPr>
+              <a:xfrm>
+                <a:off x="1608010" y="716121"/>
+                <a:ext cx="918265" cy="572273"/>
+              </a:xfrm>
+              <a:prstGeom prst="rect">
+                <a:avLst/>
+              </a:prstGeom>
+              <a:blipFill>
+                <a:blip r:embed="rId2"/>
+                <a:stretch>
+                  <a:fillRect b="-1064"/>
+                </a:stretch>
+              </a:blipFill>
+            </p:spPr>
+            <p:txBody>
+              <a:bodyPr/>
+              <a:lstStyle/>
+              <a:p>
+                <a:r>
+                  <a:rPr lang="en-US">
+                    <a:noFill/>
+                  </a:rPr>
+                  <a:t> </a:t>
+                </a:r>
+              </a:p>
+            </p:txBody>
+          </p:sp>
+        </mc:Fallback>
+      </mc:AlternateContent>
+      <mc:AlternateContent xmlns:mc="http://schemas.openxmlformats.org/markup-compatibility/2006" xmlns:a14="http://schemas.microsoft.com/office/drawing/2010/main">
+        <mc:Choice Requires="a14">
+          <p:sp>
+            <p:nvSpPr>
+              <p:cNvPr id="3" name="TextBox 2">
+                <a:extLst>
+                  <a:ext uri="{FF2B5EF4-FFF2-40B4-BE49-F238E27FC236}">
+                    <a16:creationId xmlns:a16="http://schemas.microsoft.com/office/drawing/2014/main" id="{3200B11D-E3F6-59C7-8816-3CC1B9A3B5C2}"/>
+                  </a:ext>
+                </a:extLst>
+              </p:cNvPr>
+              <p:cNvSpPr txBox="1"/>
+              <p:nvPr/>
+            </p:nvSpPr>
+            <p:spPr>
+              <a:xfrm>
+                <a:off x="3810000" y="716121"/>
+                <a:ext cx="1509259" cy="535724"/>
+              </a:xfrm>
+              <a:prstGeom prst="rect">
+                <a:avLst/>
+              </a:prstGeom>
+              <a:noFill/>
+            </p:spPr>
+            <p:txBody>
+              <a:bodyPr wrap="none" lIns="0" tIns="0" rIns="0" bIns="0" rtlCol="0">
+                <a:spAutoFit/>
+              </a:bodyPr>
+              <a:lstStyle/>
+              <a:p>
+                <a:pPr/>
+                <a14:m>
+                  <m:oMathPara xmlns:m="http://schemas.openxmlformats.org/officeDocument/2006/math">
+                    <m:oMathParaPr>
+                      <m:jc m:val="centerGroup"/>
+                    </m:oMathParaPr>
+                    <m:oMath xmlns:m="http://schemas.openxmlformats.org/officeDocument/2006/math">
+                      <m:r>
+                        <a:rPr lang="en-US" b="0" i="1" smtClean="0">
+                          <a:latin typeface="Cambria Math" panose="02040503050406030204" pitchFamily="18" charset="0"/>
+                        </a:rPr>
+                        <m:t>𝑡</m:t>
+                      </m:r>
+                      <m:r>
+                        <a:rPr lang="en-US" b="0" i="1" smtClean="0">
+                          <a:latin typeface="Cambria Math" panose="02040503050406030204" pitchFamily="18" charset="0"/>
+                        </a:rPr>
+                        <m:t>= </m:t>
+                      </m:r>
+                      <m:f>
+                        <m:fPr>
+                          <m:ctrlPr>
+                            <a:rPr lang="en-US" b="0" i="1" smtClean="0">
+                              <a:latin typeface="Cambria Math" panose="02040503050406030204" pitchFamily="18" charset="0"/>
+                            </a:rPr>
+                          </m:ctrlPr>
+                        </m:fPr>
+                        <m:num>
+                          <m:d>
+                            <m:dPr>
+                              <m:ctrlPr>
+                                <a:rPr lang="en-US" b="0" i="1" smtClean="0">
+                                  <a:latin typeface="Cambria Math" panose="02040503050406030204" pitchFamily="18" charset="0"/>
+                                </a:rPr>
+                              </m:ctrlPr>
+                            </m:dPr>
+                            <m:e>
+                              <m:r>
+                                <a:rPr lang="en-US" b="0" i="1" smtClean="0">
+                                  <a:latin typeface="Cambria Math" panose="02040503050406030204" pitchFamily="18" charset="0"/>
+                                </a:rPr>
+                                <m:t>𝑀</m:t>
+                              </m:r>
+                              <m:r>
+                                <a:rPr lang="en-US" b="0" i="1" smtClean="0">
+                                  <a:latin typeface="Cambria Math" panose="02040503050406030204" pitchFamily="18" charset="0"/>
+                                </a:rPr>
+                                <m:t> − </m:t>
+                              </m:r>
+                              <m:sSub>
+                                <m:sSubPr>
+                                  <m:ctrlPr>
+                                    <a:rPr lang="en-US" b="0" i="1" smtClean="0">
+                                      <a:latin typeface="Cambria Math" panose="02040503050406030204" pitchFamily="18" charset="0"/>
+                                      <a:ea typeface="Cambria Math" panose="02040503050406030204" pitchFamily="18" charset="0"/>
+                                    </a:rPr>
+                                  </m:ctrlPr>
+                                </m:sSubPr>
+                                <m:e>
+                                  <m:r>
+                                    <a:rPr lang="en-US" b="0" i="1" smtClean="0">
+                                      <a:latin typeface="Cambria Math" panose="02040503050406030204" pitchFamily="18" charset="0"/>
+                                      <a:ea typeface="Cambria Math" panose="02040503050406030204" pitchFamily="18" charset="0"/>
+                                    </a:rPr>
+                                    <m:t>𝜇</m:t>
+                                  </m:r>
+                                </m:e>
+                                <m:sub>
+                                  <m:r>
+                                    <a:rPr lang="en-US" b="0" i="1" smtClean="0">
+                                      <a:latin typeface="Cambria Math" panose="02040503050406030204" pitchFamily="18" charset="0"/>
+                                      <a:ea typeface="Cambria Math" panose="02040503050406030204" pitchFamily="18" charset="0"/>
+                                    </a:rPr>
+                                    <m:t>0</m:t>
+                                  </m:r>
+                                </m:sub>
+                              </m:sSub>
+                            </m:e>
+                          </m:d>
+                        </m:num>
+                        <m:den>
+                          <m:r>
+                            <a:rPr lang="en-US" b="0" i="1" smtClean="0">
+                              <a:latin typeface="Cambria Math" panose="02040503050406030204" pitchFamily="18" charset="0"/>
+                            </a:rPr>
+                            <m:t>𝑆𝐸</m:t>
+                          </m:r>
+                        </m:den>
+                      </m:f>
+                    </m:oMath>
+                  </m:oMathPara>
+                </a14:m>
+                <a:endParaRPr lang="en-US" dirty="0"/>
+              </a:p>
+            </p:txBody>
+          </p:sp>
+        </mc:Choice>
+        <mc:Fallback xmlns="">
+          <p:sp>
+            <p:nvSpPr>
+              <p:cNvPr id="3" name="TextBox 2">
+                <a:extLst>
+                  <a:ext uri="{FF2B5EF4-FFF2-40B4-BE49-F238E27FC236}">
+                    <a16:creationId xmlns:a16="http://schemas.microsoft.com/office/drawing/2014/main" id="{3200B11D-E3F6-59C7-8816-3CC1B9A3B5C2}"/>
+                  </a:ext>
+                </a:extLst>
+              </p:cNvPr>
+              <p:cNvSpPr txBox="1">
+                <a:spLocks noRot="1" noChangeAspect="1" noMove="1" noResize="1" noEditPoints="1" noAdjustHandles="1" noChangeArrowheads="1" noChangeShapeType="1" noTextEdit="1"/>
+              </p:cNvSpPr>
+              <p:nvPr/>
+            </p:nvSpPr>
+            <p:spPr>
+              <a:xfrm>
+                <a:off x="3810000" y="716121"/>
+                <a:ext cx="1509259" cy="535724"/>
+              </a:xfrm>
+              <a:prstGeom prst="rect">
+                <a:avLst/>
+              </a:prstGeom>
+              <a:blipFill>
+                <a:blip r:embed="rId3"/>
+                <a:stretch>
+                  <a:fillRect/>
+                </a:stretch>
+              </a:blipFill>
+            </p:spPr>
+            <p:txBody>
+              <a:bodyPr/>
+              <a:lstStyle/>
+              <a:p>
+                <a:r>
+                  <a:rPr lang="en-US">
+                    <a:noFill/>
+                  </a:rPr>
+                  <a:t> </a:t>
+                </a:r>
+              </a:p>
+            </p:txBody>
+          </p:sp>
+        </mc:Fallback>
+      </mc:AlternateContent>
+      <mc:AlternateContent xmlns:mc="http://schemas.openxmlformats.org/markup-compatibility/2006" xmlns:a14="http://schemas.microsoft.com/office/drawing/2010/main">
+        <mc:Choice Requires="a14">
+          <p:sp>
+            <p:nvSpPr>
+              <p:cNvPr id="4" name="TextBox 3">
+                <a:extLst>
+                  <a:ext uri="{FF2B5EF4-FFF2-40B4-BE49-F238E27FC236}">
+                    <a16:creationId xmlns:a16="http://schemas.microsoft.com/office/drawing/2014/main" id="{E592C215-9D68-38B3-AEED-8E0C19FA22C8}"/>
+                  </a:ext>
+                </a:extLst>
+              </p:cNvPr>
+              <p:cNvSpPr txBox="1"/>
+              <p:nvPr/>
+            </p:nvSpPr>
+            <p:spPr>
+              <a:xfrm>
+                <a:off x="5970284" y="533400"/>
+                <a:ext cx="1804918" cy="1136786"/>
+              </a:xfrm>
+              <a:prstGeom prst="rect">
+                <a:avLst/>
+              </a:prstGeom>
+              <a:noFill/>
+            </p:spPr>
+            <p:txBody>
+              <a:bodyPr wrap="none" lIns="0" tIns="0" rIns="0" bIns="0" rtlCol="0">
+                <a:spAutoFit/>
+              </a:bodyPr>
+              <a:lstStyle/>
+              <a:p>
+                <a:pPr/>
+                <a14:m>
+                  <m:oMathPara xmlns:m="http://schemas.openxmlformats.org/officeDocument/2006/math">
+                    <m:oMathParaPr>
+                      <m:jc m:val="centerGroup"/>
+                    </m:oMathParaPr>
+                    <m:oMath xmlns:m="http://schemas.openxmlformats.org/officeDocument/2006/math">
+                      <m:r>
+                        <a:rPr lang="en-US" b="0" i="1" smtClean="0">
+                          <a:latin typeface="Cambria Math" panose="02040503050406030204" pitchFamily="18" charset="0"/>
+                        </a:rPr>
+                        <m:t>𝑡</m:t>
+                      </m:r>
+                      <m:r>
+                        <a:rPr lang="en-US" b="0" i="1" smtClean="0">
+                          <a:latin typeface="Cambria Math" panose="02040503050406030204" pitchFamily="18" charset="0"/>
+                        </a:rPr>
+                        <m:t>= </m:t>
+                      </m:r>
+                      <m:f>
+                        <m:fPr>
+                          <m:ctrlPr>
+                            <a:rPr lang="en-US" b="0" i="1" smtClean="0">
+                              <a:latin typeface="Cambria Math" panose="02040503050406030204" pitchFamily="18" charset="0"/>
+                            </a:rPr>
+                          </m:ctrlPr>
+                        </m:fPr>
+                        <m:num>
+                          <m:d>
+                            <m:dPr>
+                              <m:ctrlPr>
+                                <a:rPr lang="en-US" b="0" i="1" smtClean="0">
+                                  <a:latin typeface="Cambria Math" panose="02040503050406030204" pitchFamily="18" charset="0"/>
+                                </a:rPr>
+                              </m:ctrlPr>
+                            </m:dPr>
+                            <m:e>
+                              <m:sSub>
+                                <m:sSubPr>
+                                  <m:ctrlPr>
+                                    <a:rPr lang="en-US" b="0" i="1" smtClean="0">
+                                      <a:latin typeface="Cambria Math" panose="02040503050406030204" pitchFamily="18" charset="0"/>
+                                    </a:rPr>
+                                  </m:ctrlPr>
+                                </m:sSubPr>
+                                <m:e>
+                                  <m:r>
+                                    <a:rPr lang="en-US" b="0" i="1" smtClean="0">
+                                      <a:latin typeface="Cambria Math" panose="02040503050406030204" pitchFamily="18" charset="0"/>
+                                    </a:rPr>
+                                    <m:t>𝑀</m:t>
+                                  </m:r>
+                                </m:e>
+                                <m:sub>
+                                  <m:r>
+                                    <a:rPr lang="en-US" b="0" i="1" smtClean="0">
+                                      <a:latin typeface="Cambria Math" panose="02040503050406030204" pitchFamily="18" charset="0"/>
+                                    </a:rPr>
+                                    <m:t>1</m:t>
+                                  </m:r>
+                                </m:sub>
+                              </m:sSub>
+                              <m:r>
+                                <a:rPr lang="en-US" b="0" i="1" smtClean="0">
+                                  <a:latin typeface="Cambria Math" panose="02040503050406030204" pitchFamily="18" charset="0"/>
+                                </a:rPr>
+                                <m:t> − </m:t>
+                              </m:r>
+                              <m:sSub>
+                                <m:sSubPr>
+                                  <m:ctrlPr>
+                                    <a:rPr lang="en-US" b="0" i="1" smtClean="0">
+                                      <a:latin typeface="Cambria Math" panose="02040503050406030204" pitchFamily="18" charset="0"/>
+                                    </a:rPr>
+                                  </m:ctrlPr>
+                                </m:sSubPr>
+                                <m:e>
+                                  <m:r>
+                                    <a:rPr lang="en-US" b="0" i="1" smtClean="0">
+                                      <a:latin typeface="Cambria Math" panose="02040503050406030204" pitchFamily="18" charset="0"/>
+                                    </a:rPr>
+                                    <m:t>𝑀</m:t>
+                                  </m:r>
+                                </m:e>
+                                <m:sub>
+                                  <m:r>
+                                    <a:rPr lang="en-US" b="0" i="1" smtClean="0">
+                                      <a:latin typeface="Cambria Math" panose="02040503050406030204" pitchFamily="18" charset="0"/>
+                                    </a:rPr>
+                                    <m:t>2</m:t>
+                                  </m:r>
+                                </m:sub>
+                              </m:sSub>
+                            </m:e>
+                          </m:d>
+                        </m:num>
+                        <m:den>
+                          <m:rad>
+                            <m:radPr>
+                              <m:degHide m:val="on"/>
+                              <m:ctrlPr>
+                                <a:rPr lang="en-US" b="0" i="1" smtClean="0">
+                                  <a:latin typeface="Cambria Math" panose="02040503050406030204" pitchFamily="18" charset="0"/>
+                                </a:rPr>
+                              </m:ctrlPr>
+                            </m:radPr>
+                            <m:deg/>
+                            <m:e>
+                              <m:f>
+                                <m:fPr>
+                                  <m:ctrlPr>
+                                    <a:rPr lang="en-US" b="0" i="1" smtClean="0">
+                                      <a:latin typeface="Cambria Math" panose="02040503050406030204" pitchFamily="18" charset="0"/>
+                                    </a:rPr>
+                                  </m:ctrlPr>
+                                </m:fPr>
+                                <m:num>
+                                  <m:sSubSup>
+                                    <m:sSubSupPr>
+                                      <m:ctrlPr>
+                                        <a:rPr lang="en-US" b="0" i="1" smtClean="0">
+                                          <a:latin typeface="Cambria Math" panose="02040503050406030204" pitchFamily="18" charset="0"/>
+                                        </a:rPr>
+                                      </m:ctrlPr>
+                                    </m:sSubSupPr>
+                                    <m:e>
+                                      <m:r>
+                                        <a:rPr lang="en-US" b="0" i="1" smtClean="0">
+                                          <a:latin typeface="Cambria Math" panose="02040503050406030204" pitchFamily="18" charset="0"/>
+                                        </a:rPr>
+                                        <m:t>𝑆𝐷</m:t>
+                                      </m:r>
+                                    </m:e>
+                                    <m:sub>
+                                      <m:r>
+                                        <a:rPr lang="en-US" b="0" i="1" smtClean="0">
+                                          <a:latin typeface="Cambria Math" panose="02040503050406030204" pitchFamily="18" charset="0"/>
+                                        </a:rPr>
+                                        <m:t>1</m:t>
+                                      </m:r>
+                                    </m:sub>
+                                    <m:sup>
+                                      <m:r>
+                                        <a:rPr lang="en-US" b="0" i="1" smtClean="0">
+                                          <a:latin typeface="Cambria Math" panose="02040503050406030204" pitchFamily="18" charset="0"/>
+                                        </a:rPr>
+                                        <m:t>2</m:t>
+                                      </m:r>
+                                    </m:sup>
+                                  </m:sSubSup>
+                                </m:num>
+                                <m:den>
+                                  <m:sSub>
+                                    <m:sSubPr>
+                                      <m:ctrlPr>
+                                        <a:rPr lang="en-US" b="0" i="1" smtClean="0">
+                                          <a:latin typeface="Cambria Math" panose="02040503050406030204" pitchFamily="18" charset="0"/>
+                                        </a:rPr>
+                                      </m:ctrlPr>
+                                    </m:sSubPr>
+                                    <m:e>
+                                      <m:r>
+                                        <a:rPr lang="en-US" b="0" i="1" smtClean="0">
+                                          <a:latin typeface="Cambria Math" panose="02040503050406030204" pitchFamily="18" charset="0"/>
+                                        </a:rPr>
+                                        <m:t>𝑛</m:t>
+                                      </m:r>
+                                    </m:e>
+                                    <m:sub>
+                                      <m:r>
+                                        <a:rPr lang="en-US" b="0" i="1" smtClean="0">
+                                          <a:latin typeface="Cambria Math" panose="02040503050406030204" pitchFamily="18" charset="0"/>
+                                        </a:rPr>
+                                        <m:t>1</m:t>
+                                      </m:r>
+                                    </m:sub>
+                                  </m:sSub>
+                                </m:den>
+                              </m:f>
+                              <m:r>
+                                <a:rPr lang="en-US" b="0" i="1" smtClean="0">
+                                  <a:latin typeface="Cambria Math" panose="02040503050406030204" pitchFamily="18" charset="0"/>
+                                </a:rPr>
+                                <m:t>+</m:t>
+                              </m:r>
+                              <m:f>
+                                <m:fPr>
+                                  <m:ctrlPr>
+                                    <a:rPr lang="en-US" b="0" i="1" smtClean="0">
+                                      <a:latin typeface="Cambria Math" panose="02040503050406030204" pitchFamily="18" charset="0"/>
+                                    </a:rPr>
+                                  </m:ctrlPr>
+                                </m:fPr>
+                                <m:num>
+                                  <m:sSubSup>
+                                    <m:sSubSupPr>
+                                      <m:ctrlPr>
+                                        <a:rPr lang="en-US" b="0" i="1" smtClean="0">
+                                          <a:latin typeface="Cambria Math" panose="02040503050406030204" pitchFamily="18" charset="0"/>
+                                        </a:rPr>
+                                      </m:ctrlPr>
+                                    </m:sSubSupPr>
+                                    <m:e>
+                                      <m:r>
+                                        <a:rPr lang="en-US" b="0" i="1" smtClean="0">
+                                          <a:latin typeface="Cambria Math" panose="02040503050406030204" pitchFamily="18" charset="0"/>
+                                        </a:rPr>
+                                        <m:t>𝑆𝐷</m:t>
+                                      </m:r>
+                                    </m:e>
+                                    <m:sub>
+                                      <m:r>
+                                        <a:rPr lang="en-US" b="0" i="1" smtClean="0">
+                                          <a:latin typeface="Cambria Math" panose="02040503050406030204" pitchFamily="18" charset="0"/>
+                                        </a:rPr>
+                                        <m:t>2</m:t>
+                                      </m:r>
+                                    </m:sub>
+                                    <m:sup>
+                                      <m:r>
+                                        <a:rPr lang="en-US" b="0" i="1" smtClean="0">
+                                          <a:latin typeface="Cambria Math" panose="02040503050406030204" pitchFamily="18" charset="0"/>
+                                        </a:rPr>
+                                        <m:t>2</m:t>
+                                      </m:r>
+                                    </m:sup>
+                                  </m:sSubSup>
+                                </m:num>
+                                <m:den>
+                                  <m:sSub>
+                                    <m:sSubPr>
+                                      <m:ctrlPr>
+                                        <a:rPr lang="en-US" b="0" i="1" smtClean="0">
+                                          <a:latin typeface="Cambria Math" panose="02040503050406030204" pitchFamily="18" charset="0"/>
+                                        </a:rPr>
+                                      </m:ctrlPr>
+                                    </m:sSubPr>
+                                    <m:e>
+                                      <m:r>
+                                        <a:rPr lang="en-US" b="0" i="1" smtClean="0">
+                                          <a:latin typeface="Cambria Math" panose="02040503050406030204" pitchFamily="18" charset="0"/>
+                                        </a:rPr>
+                                        <m:t>𝑛</m:t>
+                                      </m:r>
+                                    </m:e>
+                                    <m:sub>
+                                      <m:r>
+                                        <a:rPr lang="en-US" b="0" i="1" smtClean="0">
+                                          <a:latin typeface="Cambria Math" panose="02040503050406030204" pitchFamily="18" charset="0"/>
+                                        </a:rPr>
+                                        <m:t>2</m:t>
+                                      </m:r>
+                                    </m:sub>
+                                  </m:sSub>
+                                </m:den>
+                              </m:f>
+                            </m:e>
+                          </m:rad>
+                        </m:den>
+                      </m:f>
+                    </m:oMath>
+                  </m:oMathPara>
+                </a14:m>
+                <a:endParaRPr lang="en-US" dirty="0"/>
+              </a:p>
+            </p:txBody>
+          </p:sp>
+        </mc:Choice>
+        <mc:Fallback xmlns="">
+          <p:sp>
+            <p:nvSpPr>
+              <p:cNvPr id="4" name="TextBox 3">
+                <a:extLst>
+                  <a:ext uri="{FF2B5EF4-FFF2-40B4-BE49-F238E27FC236}">
+                    <a16:creationId xmlns:a16="http://schemas.microsoft.com/office/drawing/2014/main" id="{E592C215-9D68-38B3-AEED-8E0C19FA22C8}"/>
+                  </a:ext>
+                </a:extLst>
+              </p:cNvPr>
+              <p:cNvSpPr txBox="1">
+                <a:spLocks noRot="1" noChangeAspect="1" noMove="1" noResize="1" noEditPoints="1" noAdjustHandles="1" noChangeArrowheads="1" noChangeShapeType="1" noTextEdit="1"/>
+              </p:cNvSpPr>
+              <p:nvPr/>
+            </p:nvSpPr>
+            <p:spPr>
+              <a:xfrm>
+                <a:off x="5970284" y="533400"/>
+                <a:ext cx="1804918" cy="1136786"/>
+              </a:xfrm>
+              <a:prstGeom prst="rect">
+                <a:avLst/>
+              </a:prstGeom>
+              <a:blipFill>
+                <a:blip r:embed="rId4"/>
+                <a:stretch>
+                  <a:fillRect b="-538"/>
+                </a:stretch>
+              </a:blipFill>
+            </p:spPr>
+            <p:txBody>
+              <a:bodyPr/>
+              <a:lstStyle/>
+              <a:p>
+                <a:r>
+                  <a:rPr lang="en-US">
+                    <a:noFill/>
+                  </a:rPr>
+                  <a:t> </a:t>
+                </a:r>
+              </a:p>
+            </p:txBody>
+          </p:sp>
+        </mc:Fallback>
+      </mc:AlternateContent>
+      <mc:AlternateContent xmlns:mc="http://schemas.openxmlformats.org/markup-compatibility/2006" xmlns:a14="http://schemas.microsoft.com/office/drawing/2010/main">
+        <mc:Choice Requires="a14">
+          <p:sp>
+            <p:nvSpPr>
+              <p:cNvPr id="5" name="TextBox 4">
+                <a:extLst>
+                  <a:ext uri="{FF2B5EF4-FFF2-40B4-BE49-F238E27FC236}">
+                    <a16:creationId xmlns:a16="http://schemas.microsoft.com/office/drawing/2014/main" id="{1B2FB8DC-C1F8-B490-27C3-C2410CA61D46}"/>
+                  </a:ext>
+                </a:extLst>
+              </p:cNvPr>
+              <p:cNvSpPr txBox="1"/>
+              <p:nvPr/>
+            </p:nvSpPr>
+            <p:spPr>
+              <a:xfrm>
+                <a:off x="8655463" y="824794"/>
+                <a:ext cx="2401875" cy="276999"/>
+              </a:xfrm>
+              <a:prstGeom prst="rect">
+                <a:avLst/>
+              </a:prstGeom>
+              <a:noFill/>
+            </p:spPr>
+            <p:txBody>
+              <a:bodyPr wrap="none" lIns="0" tIns="0" rIns="0" bIns="0" rtlCol="0">
+                <a:spAutoFit/>
+              </a:bodyPr>
+              <a:lstStyle/>
+              <a:p>
+                <a:pPr/>
+                <a14:m>
+                  <m:oMathPara xmlns:m="http://schemas.openxmlformats.org/officeDocument/2006/math">
+                    <m:oMathParaPr>
+                      <m:jc m:val="centerGroup"/>
+                    </m:oMathParaPr>
+                    <m:oMath xmlns:m="http://schemas.openxmlformats.org/officeDocument/2006/math">
+                      <m:r>
+                        <a:rPr lang="en-US" b="0" i="1" smtClean="0">
+                          <a:latin typeface="Cambria Math" panose="02040503050406030204" pitchFamily="18" charset="0"/>
+                        </a:rPr>
+                        <m:t>𝑡</m:t>
+                      </m:r>
+                      <m:d>
+                        <m:dPr>
+                          <m:ctrlPr>
+                            <a:rPr lang="en-US" b="0" i="1" smtClean="0">
+                              <a:latin typeface="Cambria Math" panose="02040503050406030204" pitchFamily="18" charset="0"/>
+                            </a:rPr>
+                          </m:ctrlPr>
+                        </m:dPr>
+                        <m:e>
+                          <m:r>
+                            <a:rPr lang="en-US" b="0" i="1" smtClean="0">
+                              <a:latin typeface="Cambria Math" panose="02040503050406030204" pitchFamily="18" charset="0"/>
+                            </a:rPr>
+                            <m:t>𝑑𝑓</m:t>
+                          </m:r>
+                        </m:e>
+                      </m:d>
+                      <m:r>
+                        <a:rPr lang="en-US" i="1" smtClean="0">
+                          <a:latin typeface="Cambria Math" panose="02040503050406030204" pitchFamily="18" charset="0"/>
+                        </a:rPr>
+                        <m:t>=</m:t>
+                      </m:r>
+                      <m:r>
+                        <a:rPr lang="en-US" b="0" i="1" smtClean="0">
+                          <a:latin typeface="Cambria Math" panose="02040503050406030204" pitchFamily="18" charset="0"/>
+                        </a:rPr>
+                        <m:t>𝑋</m:t>
+                      </m:r>
+                      <m:r>
+                        <a:rPr lang="en-US" b="0" i="1" smtClean="0">
+                          <a:latin typeface="Cambria Math" panose="02040503050406030204" pitchFamily="18" charset="0"/>
+                        </a:rPr>
+                        <m:t>.</m:t>
+                      </m:r>
+                      <m:r>
+                        <a:rPr lang="en-US" b="0" i="1" smtClean="0">
+                          <a:latin typeface="Cambria Math" panose="02040503050406030204" pitchFamily="18" charset="0"/>
+                        </a:rPr>
+                        <m:t>𝑥𝑥</m:t>
+                      </m:r>
+                      <m:r>
+                        <a:rPr lang="en-US" b="0" i="1" smtClean="0">
+                          <a:latin typeface="Cambria Math" panose="02040503050406030204" pitchFamily="18" charset="0"/>
+                        </a:rPr>
+                        <m:t>, </m:t>
+                      </m:r>
+                      <m:r>
+                        <a:rPr lang="en-US" b="0" i="1" smtClean="0">
+                          <a:latin typeface="Cambria Math" panose="02040503050406030204" pitchFamily="18" charset="0"/>
+                        </a:rPr>
+                        <m:t>𝑝</m:t>
+                      </m:r>
+                      <m:r>
+                        <a:rPr lang="en-US" b="0" i="1" smtClean="0">
+                          <a:latin typeface="Cambria Math" panose="02040503050406030204" pitchFamily="18" charset="0"/>
+                        </a:rPr>
+                        <m:t>&lt;0.</m:t>
+                      </m:r>
+                      <m:r>
+                        <a:rPr lang="en-US" b="0" i="1" smtClean="0">
+                          <a:latin typeface="Cambria Math" panose="02040503050406030204" pitchFamily="18" charset="0"/>
+                        </a:rPr>
+                        <m:t>𝑦𝑦</m:t>
+                      </m:r>
+                    </m:oMath>
+                  </m:oMathPara>
+                </a14:m>
+                <a:endParaRPr lang="en-US" dirty="0"/>
+              </a:p>
+            </p:txBody>
+          </p:sp>
+        </mc:Choice>
+        <mc:Fallback xmlns="">
+          <p:sp>
+            <p:nvSpPr>
+              <p:cNvPr id="5" name="TextBox 4">
+                <a:extLst>
+                  <a:ext uri="{FF2B5EF4-FFF2-40B4-BE49-F238E27FC236}">
+                    <a16:creationId xmlns:a16="http://schemas.microsoft.com/office/drawing/2014/main" id="{1B2FB8DC-C1F8-B490-27C3-C2410CA61D46}"/>
+                  </a:ext>
+                </a:extLst>
+              </p:cNvPr>
+              <p:cNvSpPr txBox="1">
+                <a:spLocks noRot="1" noChangeAspect="1" noMove="1" noResize="1" noEditPoints="1" noAdjustHandles="1" noChangeArrowheads="1" noChangeShapeType="1" noTextEdit="1"/>
+              </p:cNvSpPr>
+              <p:nvPr/>
+            </p:nvSpPr>
+            <p:spPr>
+              <a:xfrm>
+                <a:off x="8655463" y="824794"/>
+                <a:ext cx="2401875" cy="276999"/>
+              </a:xfrm>
+              <a:prstGeom prst="rect">
+                <a:avLst/>
+              </a:prstGeom>
+              <a:blipFill>
+                <a:blip r:embed="rId5"/>
+                <a:stretch>
+                  <a:fillRect l="-1777" t="-2174" r="-1777" b="-32609"/>
+                </a:stretch>
+              </a:blipFill>
+            </p:spPr>
+            <p:txBody>
+              <a:bodyPr/>
+              <a:lstStyle/>
+              <a:p>
+                <a:r>
+                  <a:rPr lang="en-US">
+                    <a:noFill/>
+                  </a:rPr>
+                  <a:t> </a:t>
+                </a:r>
+              </a:p>
+            </p:txBody>
+          </p:sp>
+        </mc:Fallback>
+      </mc:AlternateContent>
+      <mc:AlternateContent xmlns:mc="http://schemas.openxmlformats.org/markup-compatibility/2006" xmlns:a14="http://schemas.microsoft.com/office/drawing/2010/main">
+        <mc:Choice Requires="a14">
+          <p:sp>
+            <p:nvSpPr>
+              <p:cNvPr id="7" name="TextBox 6">
+                <a:extLst>
+                  <a:ext uri="{FF2B5EF4-FFF2-40B4-BE49-F238E27FC236}">
+                    <a16:creationId xmlns:a16="http://schemas.microsoft.com/office/drawing/2014/main" id="{4ED51F71-3776-0839-C045-4E60EA13AE83}"/>
+                  </a:ext>
+                </a:extLst>
+              </p:cNvPr>
+              <p:cNvSpPr txBox="1"/>
+              <p:nvPr/>
+            </p:nvSpPr>
+            <p:spPr>
+              <a:xfrm>
+                <a:off x="5664613" y="3291840"/>
+                <a:ext cx="2874761" cy="276999"/>
+              </a:xfrm>
+              <a:prstGeom prst="rect">
+                <a:avLst/>
+              </a:prstGeom>
+              <a:noFill/>
+            </p:spPr>
+            <p:txBody>
+              <a:bodyPr wrap="none" lIns="0" tIns="0" rIns="0" bIns="0" rtlCol="0">
+                <a:spAutoFit/>
+              </a:bodyPr>
+              <a:lstStyle/>
+              <a:p>
+                <a:pPr/>
+                <a14:m>
+                  <m:oMathPara xmlns:m="http://schemas.openxmlformats.org/officeDocument/2006/math">
+                    <m:oMathParaPr>
+                      <m:jc m:val="centerGroup"/>
+                    </m:oMathParaPr>
+                    <m:oMath xmlns:m="http://schemas.openxmlformats.org/officeDocument/2006/math">
+                      <m:r>
+                        <a:rPr lang="en-US" b="0" i="1" smtClean="0">
+                          <a:latin typeface="Cambria Math" panose="02040503050406030204" pitchFamily="18" charset="0"/>
+                        </a:rPr>
+                        <m:t>𝐹</m:t>
+                      </m:r>
+                      <m:d>
+                        <m:dPr>
+                          <m:ctrlPr>
+                            <a:rPr lang="en-US" i="1" smtClean="0">
+                              <a:latin typeface="Cambria Math" panose="02040503050406030204" pitchFamily="18" charset="0"/>
+                            </a:rPr>
+                          </m:ctrlPr>
+                        </m:dPr>
+                        <m:e>
+                          <m:sSub>
+                            <m:sSubPr>
+                              <m:ctrlPr>
+                                <a:rPr lang="en-US" i="1" smtClean="0">
+                                  <a:latin typeface="Cambria Math" panose="02040503050406030204" pitchFamily="18" charset="0"/>
+                                </a:rPr>
+                              </m:ctrlPr>
+                            </m:sSubPr>
+                            <m:e>
+                              <m:r>
+                                <a:rPr lang="en-US" b="0" i="1" smtClean="0">
+                                  <a:latin typeface="Cambria Math" panose="02040503050406030204" pitchFamily="18" charset="0"/>
+                                </a:rPr>
+                                <m:t>𝑑𝑓</m:t>
+                              </m:r>
+                            </m:e>
+                            <m:sub>
+                              <m:r>
+                                <a:rPr lang="en-US" b="0" i="1" smtClean="0">
+                                  <a:latin typeface="Cambria Math" panose="02040503050406030204" pitchFamily="18" charset="0"/>
+                                </a:rPr>
+                                <m:t>𝑛</m:t>
+                              </m:r>
+                            </m:sub>
+                          </m:sSub>
+                          <m:r>
+                            <a:rPr lang="en-US" b="0" i="1" smtClean="0">
+                              <a:latin typeface="Cambria Math" panose="02040503050406030204" pitchFamily="18" charset="0"/>
+                            </a:rPr>
+                            <m:t>,</m:t>
+                          </m:r>
+                          <m:sSub>
+                            <m:sSubPr>
+                              <m:ctrlPr>
+                                <a:rPr lang="en-US" b="0" i="1" smtClean="0">
+                                  <a:latin typeface="Cambria Math" panose="02040503050406030204" pitchFamily="18" charset="0"/>
+                                </a:rPr>
+                              </m:ctrlPr>
+                            </m:sSubPr>
+                            <m:e>
+                              <m:r>
+                                <a:rPr lang="en-US" b="0" i="1" smtClean="0">
+                                  <a:latin typeface="Cambria Math" panose="02040503050406030204" pitchFamily="18" charset="0"/>
+                                </a:rPr>
+                                <m:t>𝑑𝑓</m:t>
+                              </m:r>
+                            </m:e>
+                            <m:sub>
+                              <m:r>
+                                <a:rPr lang="en-US" b="0" i="1" smtClean="0">
+                                  <a:latin typeface="Cambria Math" panose="02040503050406030204" pitchFamily="18" charset="0"/>
+                                </a:rPr>
+                                <m:t>𝑑</m:t>
+                              </m:r>
+                            </m:sub>
+                          </m:sSub>
+                        </m:e>
+                      </m:d>
+                      <m:r>
+                        <a:rPr lang="en-US" i="1" smtClean="0">
+                          <a:latin typeface="Cambria Math" panose="02040503050406030204" pitchFamily="18" charset="0"/>
+                        </a:rPr>
+                        <m:t>=</m:t>
+                      </m:r>
+                      <m:r>
+                        <m:rPr>
+                          <m:sty m:val="p"/>
+                        </m:rPr>
+                        <a:rPr lang="en-US" b="0" i="0" smtClean="0">
+                          <a:latin typeface="Cambria Math" panose="02040503050406030204" pitchFamily="18" charset="0"/>
+                        </a:rPr>
+                        <m:t>X</m:t>
+                      </m:r>
+                      <m:r>
+                        <a:rPr lang="en-US" b="0" i="0" smtClean="0">
+                          <a:latin typeface="Cambria Math" panose="02040503050406030204" pitchFamily="18" charset="0"/>
+                        </a:rPr>
+                        <m:t>.</m:t>
+                      </m:r>
+                      <m:r>
+                        <m:rPr>
+                          <m:sty m:val="p"/>
+                        </m:rPr>
+                        <a:rPr lang="en-US" b="0" i="0" smtClean="0">
+                          <a:latin typeface="Cambria Math" panose="02040503050406030204" pitchFamily="18" charset="0"/>
+                        </a:rPr>
+                        <m:t>xx</m:t>
+                      </m:r>
+                      <m:r>
+                        <a:rPr lang="en-US" b="0" i="0" smtClean="0">
+                          <a:latin typeface="Cambria Math" panose="02040503050406030204" pitchFamily="18" charset="0"/>
+                        </a:rPr>
+                        <m:t>, </m:t>
+                      </m:r>
+                      <m:r>
+                        <a:rPr lang="en-US" b="0" i="1" smtClean="0">
+                          <a:latin typeface="Cambria Math" panose="02040503050406030204" pitchFamily="18" charset="0"/>
+                        </a:rPr>
+                        <m:t>𝑝</m:t>
+                      </m:r>
+                      <m:r>
+                        <a:rPr lang="en-US" b="0" i="0" smtClean="0">
+                          <a:latin typeface="Cambria Math" panose="02040503050406030204" pitchFamily="18" charset="0"/>
+                        </a:rPr>
+                        <m:t>&lt;0.</m:t>
+                      </m:r>
+                      <m:r>
+                        <m:rPr>
+                          <m:sty m:val="p"/>
+                        </m:rPr>
+                        <a:rPr lang="en-US" b="0" i="0" smtClean="0">
+                          <a:latin typeface="Cambria Math" panose="02040503050406030204" pitchFamily="18" charset="0"/>
+                        </a:rPr>
+                        <m:t>yy</m:t>
+                      </m:r>
+                    </m:oMath>
+                  </m:oMathPara>
+                </a14:m>
+                <a:endParaRPr lang="en-US" dirty="0"/>
+              </a:p>
+            </p:txBody>
+          </p:sp>
+        </mc:Choice>
+        <mc:Fallback xmlns="">
+          <p:sp>
+            <p:nvSpPr>
+              <p:cNvPr id="7" name="TextBox 6">
+                <a:extLst>
+                  <a:ext uri="{FF2B5EF4-FFF2-40B4-BE49-F238E27FC236}">
+                    <a16:creationId xmlns:a16="http://schemas.microsoft.com/office/drawing/2014/main" id="{4ED51F71-3776-0839-C045-4E60EA13AE83}"/>
+                  </a:ext>
+                </a:extLst>
+              </p:cNvPr>
+              <p:cNvSpPr txBox="1">
+                <a:spLocks noRot="1" noChangeAspect="1" noMove="1" noResize="1" noEditPoints="1" noAdjustHandles="1" noChangeArrowheads="1" noChangeShapeType="1" noTextEdit="1"/>
+              </p:cNvSpPr>
+              <p:nvPr/>
+            </p:nvSpPr>
+            <p:spPr>
+              <a:xfrm>
+                <a:off x="5664613" y="3291840"/>
+                <a:ext cx="2874761" cy="276999"/>
+              </a:xfrm>
+              <a:prstGeom prst="rect">
+                <a:avLst/>
+              </a:prstGeom>
+              <a:blipFill>
+                <a:blip r:embed="rId6"/>
+                <a:stretch>
+                  <a:fillRect l="-1483" t="-2222" r="-1483" b="-35556"/>
+                </a:stretch>
+              </a:blipFill>
+            </p:spPr>
+            <p:txBody>
+              <a:bodyPr/>
+              <a:lstStyle/>
+              <a:p>
+                <a:r>
+                  <a:rPr lang="en-US">
+                    <a:noFill/>
+                  </a:rPr>
+                  <a:t> </a:t>
+                </a:r>
+              </a:p>
+            </p:txBody>
+          </p:sp>
+        </mc:Fallback>
+      </mc:AlternateContent>
+    </p:spTree>
+    <p:extLst>
+      <p:ext uri="{BB962C8B-B14F-4D97-AF65-F5344CB8AC3E}">
+        <p14:creationId xmlns:p14="http://schemas.microsoft.com/office/powerpoint/2010/main" val="1197754740"/>
+      </p:ext>
+    </p:extLst>
+  </p:cSld>
+  <p:clrMapOvr>
+    <a:masterClrMapping/>
+  </p:clrMapOvr>
+</p:sld>
+</file>
+
+<file path=ppt/slides/slide11.xml><?xml version="1.0" encoding="utf-8"?>
+<p:sld xmlns:a="http://schemas.openxmlformats.org/drawingml/2006/main" xmlns:r="http://schemas.openxmlformats.org/officeDocument/2006/relationships" xmlns:p="http://schemas.openxmlformats.org/presentationml/2006/main">
+  <p:cSld>
+    <p:spTree>
+      <p:nvGrpSpPr>
+        <p:cNvPr id="1" name=""/>
+        <p:cNvGrpSpPr/>
+        <p:nvPr/>
+      </p:nvGrpSpPr>
+      <p:grpSpPr>
+        <a:xfrm>
+          <a:off x="0" y="0"/>
+          <a:ext cx="0" cy="0"/>
+          <a:chOff x="0" y="0"/>
+          <a:chExt cx="0" cy="0"/>
+        </a:xfrm>
+      </p:grpSpPr>
+      <p:sp>
+        <p:nvSpPr>
+          <p:cNvPr id="2" name="Rectangle 1">
+            <a:extLst>
+              <a:ext uri="{FF2B5EF4-FFF2-40B4-BE49-F238E27FC236}">
+                <a16:creationId xmlns:a16="http://schemas.microsoft.com/office/drawing/2014/main" id="{5C2DE492-39E3-9B21-EB24-291FF963C0F9}"/>
+              </a:ext>
+            </a:extLst>
+          </p:cNvPr>
+          <p:cNvSpPr/>
+          <p:nvPr/>
+        </p:nvSpPr>
+        <p:spPr>
+          <a:xfrm>
+            <a:off x="1676400" y="971550"/>
+            <a:ext cx="2362200" cy="3238500"/>
+          </a:xfrm>
+          <a:prstGeom prst="rect">
+            <a:avLst/>
+          </a:prstGeom>
+          <a:solidFill>
+            <a:schemeClr val="bg1"/>
+          </a:solidFill>
+        </p:spPr>
+        <p:style>
+          <a:lnRef idx="2">
+            <a:schemeClr val="accent1">
+              <a:shade val="15000"/>
+            </a:schemeClr>
+          </a:lnRef>
+          <a:fillRef idx="1">
+            <a:schemeClr val="accent1"/>
+          </a:fillRef>
+          <a:effectRef idx="0">
+            <a:schemeClr val="accent1"/>
+          </a:effectRef>
+          <a:fontRef idx="minor">
+            <a:schemeClr val="lt1"/>
+          </a:fontRef>
+        </p:style>
+        <p:txBody>
+          <a:bodyPr rtlCol="0" anchor="ctr"/>
+          <a:lstStyle/>
+          <a:p>
+            <a:pPr algn="ctr"/>
+            <a:r>
+              <a:rPr lang="en-US" sz="3200" b="1" dirty="0">
+                <a:solidFill>
+                  <a:srgbClr val="FF0000"/>
+                </a:solidFill>
+              </a:rPr>
+              <a:t>RED</a:t>
+            </a:r>
+          </a:p>
+          <a:p>
+            <a:pPr algn="ctr"/>
+            <a:r>
+              <a:rPr lang="en-US" sz="3200" b="1" dirty="0">
+                <a:solidFill>
+                  <a:srgbClr val="FF7F50"/>
+                </a:solidFill>
+              </a:rPr>
+              <a:t>CORAL</a:t>
+            </a:r>
+          </a:p>
+          <a:p>
+            <a:pPr algn="ctr"/>
+            <a:r>
+              <a:rPr lang="en-US" sz="3200" b="1" dirty="0">
+                <a:solidFill>
+                  <a:srgbClr val="40E0D0"/>
+                </a:solidFill>
+              </a:rPr>
+              <a:t>TURQUOISE</a:t>
+            </a:r>
+          </a:p>
+          <a:p>
+            <a:pPr algn="ctr"/>
+            <a:r>
+              <a:rPr lang="en-US" sz="3200" b="1" dirty="0">
+                <a:solidFill>
+                  <a:srgbClr val="800080"/>
+                </a:solidFill>
+              </a:rPr>
+              <a:t>PURPLE</a:t>
+            </a:r>
+          </a:p>
+          <a:p>
+            <a:pPr algn="ctr"/>
+            <a:r>
+              <a:rPr lang="en-US" sz="3200" b="1" dirty="0">
+                <a:solidFill>
+                  <a:srgbClr val="FFBF00"/>
+                </a:solidFill>
+              </a:rPr>
+              <a:t>AMBER</a:t>
+            </a:r>
+          </a:p>
+        </p:txBody>
+      </p:sp>
+      <p:sp>
+        <p:nvSpPr>
+          <p:cNvPr id="3" name="Rectangle 2">
+            <a:extLst>
+              <a:ext uri="{FF2B5EF4-FFF2-40B4-BE49-F238E27FC236}">
+                <a16:creationId xmlns:a16="http://schemas.microsoft.com/office/drawing/2014/main" id="{FAD3903B-6C79-3734-7EB7-1472067A3430}"/>
+              </a:ext>
+            </a:extLst>
+          </p:cNvPr>
+          <p:cNvSpPr/>
+          <p:nvPr/>
+        </p:nvSpPr>
+        <p:spPr>
+          <a:xfrm>
+            <a:off x="9829800" y="942975"/>
+            <a:ext cx="2362200" cy="3238500"/>
+          </a:xfrm>
+          <a:prstGeom prst="rect">
+            <a:avLst/>
+          </a:prstGeom>
+          <a:solidFill>
+            <a:schemeClr val="bg1"/>
+          </a:solidFill>
+        </p:spPr>
+        <p:style>
+          <a:lnRef idx="2">
+            <a:schemeClr val="accent1">
+              <a:shade val="15000"/>
+            </a:schemeClr>
+          </a:lnRef>
+          <a:fillRef idx="1">
+            <a:schemeClr val="accent1"/>
+          </a:fillRef>
+          <a:effectRef idx="0">
+            <a:schemeClr val="accent1"/>
+          </a:effectRef>
+          <a:fontRef idx="minor">
+            <a:schemeClr val="lt1"/>
+          </a:fontRef>
+        </p:style>
+        <p:txBody>
+          <a:bodyPr rtlCol="0" anchor="ctr"/>
+          <a:lstStyle/>
+          <a:p>
+            <a:pPr algn="ctr"/>
+            <a:r>
+              <a:rPr lang="en-US" sz="3200" dirty="0">
+                <a:solidFill>
+                  <a:srgbClr val="0070C0"/>
+                </a:solidFill>
+              </a:rPr>
+              <a:t>BLUE</a:t>
+            </a:r>
+          </a:p>
+          <a:p>
+            <a:pPr algn="ctr"/>
+            <a:r>
+              <a:rPr lang="en-US" sz="3200" dirty="0">
+                <a:solidFill>
+                  <a:srgbClr val="DC143C"/>
+                </a:solidFill>
+              </a:rPr>
+              <a:t>CRIMSON</a:t>
+            </a:r>
+          </a:p>
+          <a:p>
+            <a:pPr algn="ctr"/>
+            <a:r>
+              <a:rPr lang="en-US" sz="3200" dirty="0">
+                <a:solidFill>
+                  <a:srgbClr val="CCCCFF"/>
+                </a:solidFill>
+              </a:rPr>
+              <a:t>PERIWINKLE</a:t>
+            </a:r>
+          </a:p>
+          <a:p>
+            <a:pPr algn="ctr"/>
+            <a:r>
+              <a:rPr lang="en-US" sz="3200" dirty="0">
+                <a:solidFill>
+                  <a:srgbClr val="FFA500"/>
+                </a:solidFill>
+              </a:rPr>
+              <a:t>ORANGE</a:t>
+            </a:r>
+          </a:p>
+          <a:p>
+            <a:pPr algn="ctr"/>
+            <a:r>
+              <a:rPr lang="en-US" sz="3200" dirty="0">
+                <a:solidFill>
+                  <a:schemeClr val="accent6">
+                    <a:lumMod val="75000"/>
+                  </a:schemeClr>
+                </a:solidFill>
+              </a:rPr>
+              <a:t>GREEN</a:t>
+            </a:r>
+          </a:p>
+        </p:txBody>
+      </p:sp>
+      <p:sp>
+        <p:nvSpPr>
+          <p:cNvPr id="12" name="Rectangle 11">
+            <a:extLst>
+              <a:ext uri="{FF2B5EF4-FFF2-40B4-BE49-F238E27FC236}">
+                <a16:creationId xmlns:a16="http://schemas.microsoft.com/office/drawing/2014/main" id="{8CD248DA-F53D-263E-C0E0-58DD82C7B592}"/>
+              </a:ext>
+            </a:extLst>
+          </p:cNvPr>
+          <p:cNvSpPr/>
+          <p:nvPr/>
+        </p:nvSpPr>
+        <p:spPr>
+          <a:xfrm>
+            <a:off x="4572000" y="971550"/>
+            <a:ext cx="2362200" cy="3238500"/>
+          </a:xfrm>
+          <a:prstGeom prst="rect">
+            <a:avLst/>
+          </a:prstGeom>
+          <a:solidFill>
+            <a:schemeClr val="bg1"/>
+          </a:solidFill>
+        </p:spPr>
+        <p:style>
+          <a:lnRef idx="2">
+            <a:schemeClr val="accent1">
+              <a:shade val="15000"/>
+            </a:schemeClr>
+          </a:lnRef>
+          <a:fillRef idx="1">
+            <a:schemeClr val="accent1"/>
+          </a:fillRef>
+          <a:effectRef idx="0">
+            <a:schemeClr val="accent1"/>
+          </a:effectRef>
+          <a:fontRef idx="minor">
+            <a:schemeClr val="lt1"/>
+          </a:fontRef>
+        </p:style>
+        <p:txBody>
+          <a:bodyPr rtlCol="0" anchor="ctr"/>
+          <a:lstStyle/>
+          <a:p>
+            <a:pPr algn="ctr"/>
+            <a:r>
+              <a:rPr lang="en-US" sz="3200" b="1" dirty="0">
+                <a:solidFill>
+                  <a:srgbClr val="DC113A"/>
+                </a:solidFill>
+              </a:rPr>
+              <a:t>BLUE</a:t>
+            </a:r>
+          </a:p>
+          <a:p>
+            <a:pPr algn="ctr"/>
+            <a:r>
+              <a:rPr lang="en-US" sz="3200" b="1" dirty="0">
+                <a:solidFill>
+                  <a:srgbClr val="FFA500"/>
+                </a:solidFill>
+              </a:rPr>
+              <a:t>CRIMSON</a:t>
+            </a:r>
+          </a:p>
+          <a:p>
+            <a:pPr algn="ctr"/>
+            <a:r>
+              <a:rPr lang="en-US" sz="3200" b="1" dirty="0">
+                <a:solidFill>
+                  <a:srgbClr val="106600"/>
+                </a:solidFill>
+              </a:rPr>
+              <a:t>PERIWINKLE</a:t>
+            </a:r>
+          </a:p>
+          <a:p>
+            <a:pPr algn="ctr"/>
+            <a:r>
+              <a:rPr lang="en-US" sz="3200" b="1" dirty="0">
+                <a:solidFill>
+                  <a:srgbClr val="006CBF"/>
+                </a:solidFill>
+              </a:rPr>
+              <a:t>ORANGE</a:t>
+            </a:r>
+          </a:p>
+          <a:p>
+            <a:pPr algn="ctr"/>
+            <a:r>
+              <a:rPr lang="en-US" sz="3200" b="1" dirty="0">
+                <a:solidFill>
+                  <a:srgbClr val="C8C8FF"/>
+                </a:solidFill>
+              </a:rPr>
+              <a:t>GREEN</a:t>
+            </a:r>
+          </a:p>
+        </p:txBody>
+      </p:sp>
+    </p:spTree>
+    <p:extLst>
+      <p:ext uri="{BB962C8B-B14F-4D97-AF65-F5344CB8AC3E}">
+        <p14:creationId xmlns:p14="http://schemas.microsoft.com/office/powerpoint/2010/main" val="3990648268"/>
+      </p:ext>
+    </p:extLst>
+  </p:cSld>
+  <p:clrMapOvr>
+    <a:masterClrMapping/>
+  </p:clrMapOvr>
+</p:sld>
+</file>
+
+<file path=ppt/slides/slide12.xml><?xml version="1.0" encoding="utf-8"?>
+<p:sld xmlns:a="http://schemas.openxmlformats.org/drawingml/2006/main" xmlns:r="http://schemas.openxmlformats.org/officeDocument/2006/relationships" xmlns:p="http://schemas.openxmlformats.org/presentationml/2006/main">
+  <p:cSld>
+    <p:spTree>
+      <p:nvGrpSpPr>
+        <p:cNvPr id="1" name=""/>
+        <p:cNvGrpSpPr/>
+        <p:nvPr/>
+      </p:nvGrpSpPr>
+      <p:grpSpPr>
+        <a:xfrm>
+          <a:off x="0" y="0"/>
+          <a:ext cx="0" cy="0"/>
+          <a:chOff x="0" y="0"/>
+          <a:chExt cx="0" cy="0"/>
+        </a:xfrm>
+      </p:grpSpPr>
+      <p:graphicFrame>
+        <p:nvGraphicFramePr>
+          <p:cNvPr id="2" name="Table 1">
+            <a:extLst>
+              <a:ext uri="{FF2B5EF4-FFF2-40B4-BE49-F238E27FC236}">
+                <a16:creationId xmlns:a16="http://schemas.microsoft.com/office/drawing/2014/main" id="{EF9F9C38-40AB-A956-27D4-1135C2C1D98A}"/>
+              </a:ext>
+            </a:extLst>
+          </p:cNvPr>
+          <p:cNvGraphicFramePr>
+            <a:graphicFrameLocks noGrp="1"/>
+          </p:cNvGraphicFramePr>
+          <p:nvPr>
+            <p:extLst>
+              <p:ext uri="{D42A27DB-BD31-4B8C-83A1-F6EECF244321}">
+                <p14:modId xmlns:p14="http://schemas.microsoft.com/office/powerpoint/2010/main" val="758765144"/>
+              </p:ext>
+            </p:extLst>
+          </p:nvPr>
+        </p:nvGraphicFramePr>
+        <p:xfrm>
+          <a:off x="3209925" y="581025"/>
+          <a:ext cx="4308474" cy="3363832"/>
+        </p:xfrm>
+        <a:graphic>
+          <a:graphicData uri="http://schemas.openxmlformats.org/drawingml/2006/table">
+            <a:tbl>
+              <a:tblPr firstRow="1" firstCol="1" bandRow="1">
+                <a:tableStyleId>{5C22544A-7EE6-4342-B048-85BDC9FD1C3A}</a:tableStyleId>
+              </a:tblPr>
+              <a:tblGrid>
+                <a:gridCol w="974814">
+                  <a:extLst>
+                    <a:ext uri="{9D8B030D-6E8A-4147-A177-3AD203B41FA5}">
+                      <a16:colId xmlns:a16="http://schemas.microsoft.com/office/drawing/2014/main" val="1593225878"/>
+                    </a:ext>
+                  </a:extLst>
+                </a:gridCol>
+                <a:gridCol w="549186">
+                  <a:extLst>
+                    <a:ext uri="{9D8B030D-6E8A-4147-A177-3AD203B41FA5}">
+                      <a16:colId xmlns:a16="http://schemas.microsoft.com/office/drawing/2014/main" val="2093987276"/>
+                    </a:ext>
+                  </a:extLst>
+                </a:gridCol>
+                <a:gridCol w="1314450">
+                  <a:extLst>
+                    <a:ext uri="{9D8B030D-6E8A-4147-A177-3AD203B41FA5}">
+                      <a16:colId xmlns:a16="http://schemas.microsoft.com/office/drawing/2014/main" val="1011674339"/>
+                    </a:ext>
+                  </a:extLst>
+                </a:gridCol>
+                <a:gridCol w="1470024">
+                  <a:extLst>
+                    <a:ext uri="{9D8B030D-6E8A-4147-A177-3AD203B41FA5}">
+                      <a16:colId xmlns:a16="http://schemas.microsoft.com/office/drawing/2014/main" val="3298140012"/>
+                    </a:ext>
+                  </a:extLst>
+                </a:gridCol>
+              </a:tblGrid>
+              <a:tr h="373226">
+                <a:tc rowSpan="2" gridSpan="2">
+                  <a:txBody>
+                    <a:bodyPr/>
+                    <a:lstStyle/>
+                    <a:p>
+                      <a:pPr marL="0" marR="0" algn="ctr">
+                        <a:lnSpc>
+                          <a:spcPct val="115000"/>
+                        </a:lnSpc>
+                        <a:spcBef>
+                          <a:spcPts val="1195"/>
+                        </a:spcBef>
+                        <a:spcAft>
+                          <a:spcPts val="0"/>
+                        </a:spcAft>
+                        <a:tabLst/>
+                      </a:pPr>
+                      <a:r>
+                        <a:rPr lang="en-US" sz="1200" dirty="0">
+                          <a:effectLst/>
+                        </a:rPr>
+                        <a:t> </a:t>
+                      </a:r>
+                      <a:endParaRPr lang="en-US" sz="1200" dirty="0">
+                        <a:effectLst/>
+                        <a:latin typeface="Times New Roman" panose="02020603050405020304" pitchFamily="18" charset="0"/>
+                        <a:ea typeface="Times New Roman" panose="02020603050405020304" pitchFamily="18" charset="0"/>
+                        <a:cs typeface="Latha" panose="020B0604020202020204" pitchFamily="34" charset="0"/>
+                      </a:endParaRPr>
+                    </a:p>
+                  </a:txBody>
+                  <a:tcPr marL="68580" marR="68580" marT="0" marB="0"/>
+                </a:tc>
+                <a:tc rowSpan="2" hMerge="1">
+                  <a:txBody>
+                    <a:bodyPr/>
+                    <a:lstStyle/>
+                    <a:p>
+                      <a:endParaRPr lang="en-US"/>
+                    </a:p>
+                  </a:txBody>
+                  <a:tcPr/>
+                </a:tc>
+                <a:tc gridSpan="2">
+                  <a:txBody>
+                    <a:bodyPr/>
+                    <a:lstStyle/>
+                    <a:p>
+                      <a:pPr marL="0" marR="0" algn="ctr">
+                        <a:lnSpc>
+                          <a:spcPct val="100000"/>
+                        </a:lnSpc>
+                        <a:spcBef>
+                          <a:spcPts val="1195"/>
+                        </a:spcBef>
+                        <a:spcAft>
+                          <a:spcPts val="0"/>
+                        </a:spcAft>
+                      </a:pPr>
+                      <a:endParaRPr lang="en-US" sz="1200" dirty="0">
+                        <a:effectLst/>
+                      </a:endParaRPr>
+                    </a:p>
+                    <a:p>
+                      <a:pPr marL="0" marR="0" algn="ctr">
+                        <a:lnSpc>
+                          <a:spcPct val="100000"/>
+                        </a:lnSpc>
+                        <a:spcBef>
+                          <a:spcPts val="1195"/>
+                        </a:spcBef>
+                        <a:spcAft>
+                          <a:spcPts val="0"/>
+                        </a:spcAft>
+                      </a:pPr>
+                      <a:r>
+                        <a:rPr lang="en-US" sz="1200" dirty="0">
+                          <a:effectLst/>
+                        </a:rPr>
+                        <a:t>Tested in Messy Room</a:t>
+                      </a:r>
+                    </a:p>
+                    <a:p>
+                      <a:pPr marL="0" marR="0" algn="ctr">
+                        <a:lnSpc>
+                          <a:spcPct val="100000"/>
+                        </a:lnSpc>
+                        <a:spcBef>
+                          <a:spcPts val="1195"/>
+                        </a:spcBef>
+                        <a:spcAft>
+                          <a:spcPts val="0"/>
+                        </a:spcAft>
+                      </a:pPr>
+                      <a:endParaRPr lang="en-US" sz="1200" dirty="0">
+                        <a:effectLst/>
+                        <a:latin typeface="Times New Roman" panose="02020603050405020304" pitchFamily="18" charset="0"/>
+                        <a:ea typeface="Times New Roman" panose="02020603050405020304" pitchFamily="18" charset="0"/>
+                        <a:cs typeface="Latha" panose="020B0604020202020204" pitchFamily="34" charset="0"/>
+                      </a:endParaRPr>
+                    </a:p>
+                  </a:txBody>
+                  <a:tcPr marL="68580" marR="68580" marT="0" marB="0" anchor="ctr"/>
+                </a:tc>
+                <a:tc hMerge="1">
+                  <a:txBody>
+                    <a:bodyPr/>
+                    <a:lstStyle/>
+                    <a:p>
+                      <a:endParaRPr lang="en-US"/>
+                    </a:p>
+                  </a:txBody>
+                  <a:tcPr/>
+                </a:tc>
+                <a:extLst>
+                  <a:ext uri="{0D108BD9-81ED-4DB2-BD59-A6C34878D82A}">
+                    <a16:rowId xmlns:a16="http://schemas.microsoft.com/office/drawing/2014/main" val="2631453278"/>
+                  </a:ext>
+                </a:extLst>
+              </a:tr>
+              <a:tr h="199313">
+                <a:tc gridSpan="2" vMerge="1">
+                  <a:txBody>
+                    <a:bodyPr/>
+                    <a:lstStyle/>
+                    <a:p>
+                      <a:endParaRPr lang="en-US"/>
+                    </a:p>
+                  </a:txBody>
+                  <a:tcPr/>
+                </a:tc>
+                <a:tc hMerge="1" vMerge="1">
+                  <a:txBody>
+                    <a:bodyPr/>
+                    <a:lstStyle/>
+                    <a:p>
+                      <a:endParaRPr lang="en-US"/>
+                    </a:p>
+                  </a:txBody>
+                  <a:tcPr/>
+                </a:tc>
+                <a:tc>
+                  <a:txBody>
+                    <a:bodyPr/>
+                    <a:lstStyle/>
+                    <a:p>
+                      <a:pPr marL="0" marR="0" algn="ctr">
+                        <a:lnSpc>
+                          <a:spcPct val="115000"/>
+                        </a:lnSpc>
+                        <a:spcBef>
+                          <a:spcPts val="1195"/>
+                        </a:spcBef>
+                        <a:spcAft>
+                          <a:spcPts val="0"/>
+                        </a:spcAft>
+                      </a:pPr>
+                      <a:r>
+                        <a:rPr lang="en-US" sz="1200" dirty="0">
+                          <a:effectLst/>
+                        </a:rPr>
+                        <a:t>No</a:t>
+                      </a:r>
+                      <a:endParaRPr lang="en-US" sz="1200" dirty="0">
+                        <a:effectLst/>
+                        <a:latin typeface="Times New Roman" panose="02020603050405020304" pitchFamily="18" charset="0"/>
+                        <a:ea typeface="Times New Roman" panose="02020603050405020304" pitchFamily="18" charset="0"/>
+                        <a:cs typeface="Latha" panose="020B0604020202020204" pitchFamily="34" charset="0"/>
+                      </a:endParaRPr>
+                    </a:p>
+                  </a:txBody>
+                  <a:tcPr marL="68580" marR="68580" marT="0" marB="0"/>
+                </a:tc>
+                <a:tc>
+                  <a:txBody>
+                    <a:bodyPr/>
+                    <a:lstStyle/>
+                    <a:p>
+                      <a:pPr marL="0" marR="0" algn="ctr">
+                        <a:lnSpc>
+                          <a:spcPct val="115000"/>
+                        </a:lnSpc>
+                        <a:spcBef>
+                          <a:spcPts val="1195"/>
+                        </a:spcBef>
+                        <a:spcAft>
+                          <a:spcPts val="0"/>
+                        </a:spcAft>
+                      </a:pPr>
+                      <a:r>
+                        <a:rPr lang="en-US" sz="1200" dirty="0">
+                          <a:effectLst/>
+                        </a:rPr>
+                        <a:t>Yes</a:t>
+                      </a:r>
+                      <a:endParaRPr lang="en-US" sz="1200" dirty="0">
+                        <a:effectLst/>
+                        <a:latin typeface="Times New Roman" panose="02020603050405020304" pitchFamily="18" charset="0"/>
+                        <a:ea typeface="Times New Roman" panose="02020603050405020304" pitchFamily="18" charset="0"/>
+                        <a:cs typeface="Latha" panose="020B0604020202020204" pitchFamily="34" charset="0"/>
+                      </a:endParaRPr>
+                    </a:p>
+                  </a:txBody>
+                  <a:tcPr marL="68580" marR="68580" marT="0" marB="0"/>
+                </a:tc>
+                <a:extLst>
+                  <a:ext uri="{0D108BD9-81ED-4DB2-BD59-A6C34878D82A}">
+                    <a16:rowId xmlns:a16="http://schemas.microsoft.com/office/drawing/2014/main" val="1524768289"/>
+                  </a:ext>
+                </a:extLst>
+              </a:tr>
+              <a:tr h="1074607">
+                <a:tc rowSpan="2">
+                  <a:txBody>
+                    <a:bodyPr/>
+                    <a:lstStyle/>
+                    <a:p>
+                      <a:pPr marL="71755" marR="71755" algn="ctr">
+                        <a:lnSpc>
+                          <a:spcPct val="115000"/>
+                        </a:lnSpc>
+                        <a:spcBef>
+                          <a:spcPts val="1195"/>
+                        </a:spcBef>
+                        <a:spcAft>
+                          <a:spcPts val="0"/>
+                        </a:spcAft>
+                      </a:pPr>
+                      <a:r>
+                        <a:rPr lang="en-US" sz="1200" dirty="0">
+                          <a:effectLst/>
+                        </a:rPr>
+                        <a:t>Private Body Consciousness</a:t>
+                      </a:r>
+                      <a:endParaRPr lang="en-US" sz="1200" dirty="0">
+                        <a:effectLst/>
+                        <a:latin typeface="Times New Roman" panose="02020603050405020304" pitchFamily="18" charset="0"/>
+                        <a:ea typeface="Times New Roman" panose="02020603050405020304" pitchFamily="18" charset="0"/>
+                        <a:cs typeface="Latha" panose="020B0604020202020204" pitchFamily="34" charset="0"/>
+                      </a:endParaRPr>
+                    </a:p>
+                  </a:txBody>
+                  <a:tcPr marL="68580" marR="68580" marT="0" marB="0" vert="vert270" anchor="ctr"/>
+                </a:tc>
+                <a:tc>
+                  <a:txBody>
+                    <a:bodyPr/>
+                    <a:lstStyle/>
+                    <a:p>
+                      <a:pPr marL="71755" marR="71755" algn="ctr">
+                        <a:lnSpc>
+                          <a:spcPct val="115000"/>
+                        </a:lnSpc>
+                        <a:spcBef>
+                          <a:spcPts val="1195"/>
+                        </a:spcBef>
+                        <a:spcAft>
+                          <a:spcPts val="0"/>
+                        </a:spcAft>
+                      </a:pPr>
+                      <a:r>
+                        <a:rPr lang="en-US" sz="1200" dirty="0">
+                          <a:effectLst/>
+                        </a:rPr>
+                        <a:t>Low</a:t>
+                      </a:r>
+                      <a:endParaRPr lang="en-US" sz="1200" dirty="0">
+                        <a:effectLst/>
+                        <a:latin typeface="Times New Roman" panose="02020603050405020304" pitchFamily="18" charset="0"/>
+                        <a:ea typeface="Times New Roman" panose="02020603050405020304" pitchFamily="18" charset="0"/>
+                        <a:cs typeface="Latha" panose="020B0604020202020204" pitchFamily="34" charset="0"/>
+                      </a:endParaRPr>
+                    </a:p>
+                  </a:txBody>
+                  <a:tcPr marL="68580" marR="68580" marT="0" marB="0" vert="vert270" anchor="ctr"/>
+                </a:tc>
+                <a:tc>
+                  <a:txBody>
+                    <a:bodyPr/>
+                    <a:lstStyle/>
+                    <a:p>
+                      <a:pPr marL="0" marR="0" algn="ctr">
+                        <a:lnSpc>
+                          <a:spcPct val="115000"/>
+                        </a:lnSpc>
+                        <a:spcBef>
+                          <a:spcPts val="1195"/>
+                        </a:spcBef>
+                        <a:spcAft>
+                          <a:spcPts val="0"/>
+                        </a:spcAft>
+                      </a:pPr>
+                      <a:r>
+                        <a:rPr lang="en-US" sz="1200" dirty="0">
+                          <a:effectLst/>
+                        </a:rPr>
+                        <a:t>Typical moral judgments </a:t>
+                      </a:r>
+                      <a:endParaRPr lang="en-US" sz="1200" dirty="0">
+                        <a:effectLst/>
+                        <a:latin typeface="Times New Roman" panose="02020603050405020304" pitchFamily="18" charset="0"/>
+                        <a:ea typeface="Times New Roman" panose="02020603050405020304" pitchFamily="18" charset="0"/>
+                        <a:cs typeface="Latha" panose="020B0604020202020204" pitchFamily="34" charset="0"/>
+                      </a:endParaRPr>
+                    </a:p>
+                  </a:txBody>
+                  <a:tcPr marL="68580" marR="68580" marT="0" marB="0" anchor="ctr"/>
+                </a:tc>
+                <a:tc>
+                  <a:txBody>
+                    <a:bodyPr/>
+                    <a:lstStyle/>
+                    <a:p>
+                      <a:pPr marL="0" marR="0" algn="ctr">
+                        <a:lnSpc>
+                          <a:spcPct val="115000"/>
+                        </a:lnSpc>
+                        <a:spcBef>
+                          <a:spcPts val="1195"/>
+                        </a:spcBef>
+                        <a:spcAft>
+                          <a:spcPts val="0"/>
+                        </a:spcAft>
+                      </a:pPr>
+                      <a:r>
+                        <a:rPr lang="en-US" sz="1200" dirty="0">
+                          <a:effectLst/>
+                        </a:rPr>
+                        <a:t> Typical moral judgments</a:t>
+                      </a:r>
+                      <a:endParaRPr lang="en-US" sz="1200" dirty="0">
+                        <a:effectLst/>
+                        <a:latin typeface="Times New Roman" panose="02020603050405020304" pitchFamily="18" charset="0"/>
+                        <a:ea typeface="Times New Roman" panose="02020603050405020304" pitchFamily="18" charset="0"/>
+                        <a:cs typeface="Latha" panose="020B0604020202020204" pitchFamily="34" charset="0"/>
+                      </a:endParaRPr>
+                    </a:p>
+                  </a:txBody>
+                  <a:tcPr marL="68580" marR="68580" marT="0" marB="0" anchor="ctr"/>
+                </a:tc>
+                <a:extLst>
+                  <a:ext uri="{0D108BD9-81ED-4DB2-BD59-A6C34878D82A}">
+                    <a16:rowId xmlns:a16="http://schemas.microsoft.com/office/drawing/2014/main" val="575371064"/>
+                  </a:ext>
+                </a:extLst>
+              </a:tr>
+              <a:tr h="1236472">
+                <a:tc vMerge="1">
+                  <a:txBody>
+                    <a:bodyPr/>
+                    <a:lstStyle/>
+                    <a:p>
+                      <a:endParaRPr lang="en-US"/>
+                    </a:p>
+                  </a:txBody>
+                  <a:tcPr/>
+                </a:tc>
+                <a:tc>
+                  <a:txBody>
+                    <a:bodyPr/>
+                    <a:lstStyle/>
+                    <a:p>
+                      <a:pPr marL="71755" marR="71755" algn="ctr">
+                        <a:lnSpc>
+                          <a:spcPct val="115000"/>
+                        </a:lnSpc>
+                        <a:spcBef>
+                          <a:spcPts val="1195"/>
+                        </a:spcBef>
+                        <a:spcAft>
+                          <a:spcPts val="0"/>
+                        </a:spcAft>
+                      </a:pPr>
+                      <a:r>
+                        <a:rPr lang="en-US" sz="1200" dirty="0">
+                          <a:effectLst/>
+                        </a:rPr>
+                        <a:t>High</a:t>
+                      </a:r>
+                      <a:endParaRPr lang="en-US" sz="1200" dirty="0">
+                        <a:effectLst/>
+                        <a:latin typeface="Times New Roman" panose="02020603050405020304" pitchFamily="18" charset="0"/>
+                        <a:ea typeface="Times New Roman" panose="02020603050405020304" pitchFamily="18" charset="0"/>
+                        <a:cs typeface="Latha" panose="020B0604020202020204" pitchFamily="34" charset="0"/>
+                      </a:endParaRPr>
+                    </a:p>
+                  </a:txBody>
+                  <a:tcPr marL="68580" marR="68580" marT="0" marB="0" vert="vert270" anchor="ctr"/>
+                </a:tc>
+                <a:tc>
+                  <a:txBody>
+                    <a:bodyPr/>
+                    <a:lstStyle/>
+                    <a:p>
+                      <a:pPr marL="0" marR="0" algn="ctr">
+                        <a:lnSpc>
+                          <a:spcPct val="115000"/>
+                        </a:lnSpc>
+                        <a:spcBef>
+                          <a:spcPts val="1195"/>
+                        </a:spcBef>
+                        <a:spcAft>
+                          <a:spcPts val="0"/>
+                        </a:spcAft>
+                      </a:pPr>
+                      <a:r>
+                        <a:rPr lang="en-US" sz="1200" dirty="0">
+                          <a:effectLst/>
+                        </a:rPr>
+                        <a:t> Typical moral judgments</a:t>
+                      </a:r>
+                      <a:endParaRPr lang="en-US" sz="1200" dirty="0">
+                        <a:effectLst/>
+                        <a:latin typeface="Times New Roman" panose="02020603050405020304" pitchFamily="18" charset="0"/>
+                        <a:ea typeface="Times New Roman" panose="02020603050405020304" pitchFamily="18" charset="0"/>
+                        <a:cs typeface="Latha" panose="020B0604020202020204" pitchFamily="34" charset="0"/>
+                      </a:endParaRPr>
+                    </a:p>
+                  </a:txBody>
+                  <a:tcPr marL="68580" marR="68580" marT="0" marB="0" anchor="ctr"/>
+                </a:tc>
+                <a:tc>
+                  <a:txBody>
+                    <a:bodyPr/>
+                    <a:lstStyle/>
+                    <a:p>
+                      <a:pPr marL="0" marR="0" algn="ctr">
+                        <a:lnSpc>
+                          <a:spcPct val="115000"/>
+                        </a:lnSpc>
+                        <a:spcBef>
+                          <a:spcPts val="1195"/>
+                        </a:spcBef>
+                        <a:spcAft>
+                          <a:spcPts val="0"/>
+                        </a:spcAft>
+                      </a:pPr>
+                      <a:r>
+                        <a:rPr lang="en-US" sz="1200" dirty="0">
+                          <a:effectLst/>
+                        </a:rPr>
+                        <a:t> </a:t>
+                      </a:r>
+                      <a:r>
+                        <a:rPr lang="en-US" sz="1200" b="1" dirty="0">
+                          <a:effectLst/>
+                        </a:rPr>
+                        <a:t>Very harsh moral judgments</a:t>
+                      </a:r>
+                      <a:endParaRPr lang="en-US" sz="1200" b="1" dirty="0">
+                        <a:effectLst/>
+                        <a:latin typeface="Times New Roman" panose="02020603050405020304" pitchFamily="18" charset="0"/>
+                        <a:ea typeface="Times New Roman" panose="02020603050405020304" pitchFamily="18" charset="0"/>
+                        <a:cs typeface="Latha" panose="020B0604020202020204" pitchFamily="34" charset="0"/>
+                      </a:endParaRPr>
+                    </a:p>
+                  </a:txBody>
+                  <a:tcPr marL="68580" marR="68580" marT="0" marB="0" anchor="ctr"/>
+                </a:tc>
+                <a:extLst>
+                  <a:ext uri="{0D108BD9-81ED-4DB2-BD59-A6C34878D82A}">
+                    <a16:rowId xmlns:a16="http://schemas.microsoft.com/office/drawing/2014/main" val="1262687447"/>
+                  </a:ext>
+                </a:extLst>
+              </a:tr>
+            </a:tbl>
+          </a:graphicData>
+        </a:graphic>
+      </p:graphicFrame>
+    </p:spTree>
+    <p:extLst>
+      <p:ext uri="{BB962C8B-B14F-4D97-AF65-F5344CB8AC3E}">
+        <p14:creationId xmlns:p14="http://schemas.microsoft.com/office/powerpoint/2010/main" val="304782113"/>
+      </p:ext>
+    </p:extLst>
+  </p:cSld>
+  <p:clrMapOvr>
+    <a:masterClrMapping/>
+  </p:clrMapOvr>
+</p:sld>
+</file>
+
+<file path=ppt/slides/slide13.xml><?xml version="1.0" encoding="utf-8"?>
 <p:sld xmlns:a="http://schemas.openxmlformats.org/drawingml/2006/main" xmlns:r="http://schemas.openxmlformats.org/officeDocument/2006/relationships" xmlns:p="http://schemas.openxmlformats.org/presentationml/2006/main">
   <p:cSld>
     <p:spTree>
@@ -16620,7 +18539,7 @@
 </p:sld>
 </file>
 
-<file path=ppt/slides/slide11.xml><?xml version="1.0" encoding="utf-8"?>
+<file path=ppt/slides/slide14.xml><?xml version="1.0" encoding="utf-8"?>
 <p:sld xmlns:a="http://schemas.openxmlformats.org/drawingml/2006/main" xmlns:r="http://schemas.openxmlformats.org/officeDocument/2006/relationships" xmlns:p="http://schemas.openxmlformats.org/presentationml/2006/main">
   <p:cSld>
     <p:spTree>
@@ -17620,7 +19539,7 @@
 </p:sld>
 </file>
 
-<file path=ppt/slides/slide12.xml><?xml version="1.0" encoding="utf-8"?>
+<file path=ppt/slides/slide15.xml><?xml version="1.0" encoding="utf-8"?>
 <p:sld xmlns:a="http://schemas.openxmlformats.org/drawingml/2006/main" xmlns:r="http://schemas.openxmlformats.org/officeDocument/2006/relationships" xmlns:p="http://schemas.openxmlformats.org/presentationml/2006/main">
   <p:cSld>
     <p:spTree>
@@ -18620,7 +20539,7 @@
 </p:sld>
 </file>
 
-<file path=ppt/slides/slide13.xml><?xml version="1.0" encoding="utf-8"?>
+<file path=ppt/slides/slide16.xml><?xml version="1.0" encoding="utf-8"?>
 <p:sld xmlns:a="http://schemas.openxmlformats.org/drawingml/2006/main" xmlns:r="http://schemas.openxmlformats.org/officeDocument/2006/relationships" xmlns:p="http://schemas.openxmlformats.org/presentationml/2006/main">
   <p:cSld>
     <p:spTree>
@@ -19620,7 +21539,7 @@
 </p:sld>
 </file>
 
-<file path=ppt/slides/slide14.xml><?xml version="1.0" encoding="utf-8"?>
+<file path=ppt/slides/slide17.xml><?xml version="1.0" encoding="utf-8"?>
 <p:sld xmlns:a="http://schemas.openxmlformats.org/drawingml/2006/main" xmlns:r="http://schemas.openxmlformats.org/officeDocument/2006/relationships" xmlns:p="http://schemas.openxmlformats.org/presentationml/2006/main">
   <p:cSld>
     <p:spTree>
@@ -20620,7 +22539,7 @@
 </p:sld>
 </file>
 
-<file path=ppt/slides/slide15.xml><?xml version="1.0" encoding="utf-8"?>
+<file path=ppt/slides/slide18.xml><?xml version="1.0" encoding="utf-8"?>
 <p:sld xmlns:a="http://schemas.openxmlformats.org/drawingml/2006/main" xmlns:r="http://schemas.openxmlformats.org/officeDocument/2006/relationships" xmlns:p="http://schemas.openxmlformats.org/presentationml/2006/main">
   <p:cSld>
     <p:spTree>
@@ -21620,7 +23539,7 @@
 </p:sld>
 </file>
 
-<file path=ppt/slides/slide16.xml><?xml version="1.0" encoding="utf-8"?>
+<file path=ppt/slides/slide19.xml><?xml version="1.0" encoding="utf-8"?>
 <p:sld xmlns:a="http://schemas.openxmlformats.org/drawingml/2006/main" xmlns:r="http://schemas.openxmlformats.org/officeDocument/2006/relationships" xmlns:p="http://schemas.openxmlformats.org/presentationml/2006/main">
   <p:cSld>
     <p:spTree>
@@ -22639,6 +24558,278 @@
       </p:grpSpPr>
       <p:pic>
         <p:nvPicPr>
+          <p:cNvPr id="9" name="Picture 8" descr="A screenshot of a computer game&#10;&#10;Description automatically generated">
+            <a:extLst>
+              <a:ext uri="{FF2B5EF4-FFF2-40B4-BE49-F238E27FC236}">
+                <a16:creationId xmlns:a16="http://schemas.microsoft.com/office/drawing/2014/main" id="{94711CAE-C226-FD80-32E7-EA0181B57E9A}"/>
+              </a:ext>
+            </a:extLst>
+          </p:cNvPr>
+          <p:cNvPicPr>
+            <a:picLocks noChangeAspect="1"/>
+          </p:cNvPicPr>
+          <p:nvPr/>
+        </p:nvPicPr>
+        <p:blipFill>
+          <a:blip r:embed="rId2">
+            <a:extLst>
+              <a:ext uri="{28A0092B-C50C-407E-A947-70E740481C1C}">
+                <a14:useLocalDpi xmlns:a14="http://schemas.microsoft.com/office/drawing/2010/main" val="0"/>
+              </a:ext>
+            </a:extLst>
+          </a:blip>
+          <a:stretch>
+            <a:fillRect/>
+          </a:stretch>
+        </p:blipFill>
+        <p:spPr>
+          <a:xfrm>
+            <a:off x="1426712" y="1077301"/>
+            <a:ext cx="4560697" cy="4572000"/>
+          </a:xfrm>
+          <a:prstGeom prst="rect">
+            <a:avLst/>
+          </a:prstGeom>
+        </p:spPr>
+      </p:pic>
+      <p:pic>
+        <p:nvPicPr>
+          <p:cNvPr id="20" name="Picture 19" descr="A screenshot of a computer game&#10;&#10;Description automatically generated">
+            <a:extLst>
+              <a:ext uri="{FF2B5EF4-FFF2-40B4-BE49-F238E27FC236}">
+                <a16:creationId xmlns:a16="http://schemas.microsoft.com/office/drawing/2014/main" id="{A218A586-B28A-6730-9D51-7FCD84EB63ED}"/>
+              </a:ext>
+            </a:extLst>
+          </p:cNvPr>
+          <p:cNvPicPr>
+            <a:picLocks noChangeAspect="1"/>
+          </p:cNvPicPr>
+          <p:nvPr/>
+        </p:nvPicPr>
+        <p:blipFill>
+          <a:blip r:embed="rId3">
+            <a:extLst>
+              <a:ext uri="{28A0092B-C50C-407E-A947-70E740481C1C}">
+                <a14:useLocalDpi xmlns:a14="http://schemas.microsoft.com/office/drawing/2010/main" val="0"/>
+              </a:ext>
+            </a:extLst>
+          </a:blip>
+          <a:stretch>
+            <a:fillRect/>
+          </a:stretch>
+        </p:blipFill>
+        <p:spPr>
+          <a:xfrm>
+            <a:off x="5987409" y="1050142"/>
+            <a:ext cx="4572000" cy="4635435"/>
+          </a:xfrm>
+          <a:prstGeom prst="rect">
+            <a:avLst/>
+          </a:prstGeom>
+        </p:spPr>
+      </p:pic>
+    </p:spTree>
+    <p:extLst>
+      <p:ext uri="{BB962C8B-B14F-4D97-AF65-F5344CB8AC3E}">
+        <p14:creationId xmlns:p14="http://schemas.microsoft.com/office/powerpoint/2010/main" val="1414865602"/>
+      </p:ext>
+    </p:extLst>
+  </p:cSld>
+  <p:clrMapOvr>
+    <a:masterClrMapping/>
+  </p:clrMapOvr>
+</p:sld>
+</file>
+
+<file path=ppt/slides/slide3.xml><?xml version="1.0" encoding="utf-8"?>
+<p:sld xmlns:a="http://schemas.openxmlformats.org/drawingml/2006/main" xmlns:r="http://schemas.openxmlformats.org/officeDocument/2006/relationships" xmlns:p="http://schemas.openxmlformats.org/presentationml/2006/main">
+  <p:cSld>
+    <p:spTree>
+      <p:nvGrpSpPr>
+        <p:cNvPr id="1" name=""/>
+        <p:cNvGrpSpPr/>
+        <p:nvPr/>
+      </p:nvGrpSpPr>
+      <p:grpSpPr>
+        <a:xfrm>
+          <a:off x="0" y="0"/>
+          <a:ext cx="0" cy="0"/>
+          <a:chOff x="0" y="0"/>
+          <a:chExt cx="0" cy="0"/>
+        </a:xfrm>
+      </p:grpSpPr>
+      <p:pic>
+        <p:nvPicPr>
+          <p:cNvPr id="2" name="Picture 1" descr="A screenshot of a computer game&#10;&#10;Description automatically generated">
+            <a:extLst>
+              <a:ext uri="{FF2B5EF4-FFF2-40B4-BE49-F238E27FC236}">
+                <a16:creationId xmlns:a16="http://schemas.microsoft.com/office/drawing/2014/main" id="{4D1FE5F3-2D66-6E9F-DD76-2EDF2CB2BDBE}"/>
+              </a:ext>
+            </a:extLst>
+          </p:cNvPr>
+          <p:cNvPicPr>
+            <a:picLocks noChangeAspect="1"/>
+          </p:cNvPicPr>
+          <p:nvPr/>
+        </p:nvPicPr>
+        <p:blipFill>
+          <a:blip r:embed="rId2">
+            <a:extLst>
+              <a:ext uri="{28A0092B-C50C-407E-A947-70E740481C1C}">
+                <a14:useLocalDpi xmlns:a14="http://schemas.microsoft.com/office/drawing/2010/main" val="0"/>
+              </a:ext>
+            </a:extLst>
+          </a:blip>
+          <a:srcRect l="2565" t="69340" r="3441" b="2273"/>
+          <a:stretch/>
+        </p:blipFill>
+        <p:spPr>
+          <a:xfrm>
+            <a:off x="1543665" y="4247535"/>
+            <a:ext cx="4286864" cy="1297859"/>
+          </a:xfrm>
+          <a:prstGeom prst="rect">
+            <a:avLst/>
+          </a:prstGeom>
+        </p:spPr>
+      </p:pic>
+      <p:pic>
+        <p:nvPicPr>
+          <p:cNvPr id="3" name="Picture 2" descr="A screenshot of a computer game&#10;&#10;Description automatically generated">
+            <a:extLst>
+              <a:ext uri="{FF2B5EF4-FFF2-40B4-BE49-F238E27FC236}">
+                <a16:creationId xmlns:a16="http://schemas.microsoft.com/office/drawing/2014/main" id="{BD58160F-F05C-CDAA-089F-A3971D9CCF2F}"/>
+              </a:ext>
+            </a:extLst>
+          </p:cNvPr>
+          <p:cNvPicPr>
+            <a:picLocks noChangeAspect="1"/>
+          </p:cNvPicPr>
+          <p:nvPr/>
+        </p:nvPicPr>
+        <p:blipFill>
+          <a:blip r:embed="rId3">
+            <a:extLst>
+              <a:ext uri="{28A0092B-C50C-407E-A947-70E740481C1C}">
+                <a14:useLocalDpi xmlns:a14="http://schemas.microsoft.com/office/drawing/2010/main" val="0"/>
+              </a:ext>
+            </a:extLst>
+          </a:blip>
+          <a:srcRect l="4292" t="68977" r="5708" b="7256"/>
+          <a:stretch/>
+        </p:blipFill>
+        <p:spPr>
+          <a:xfrm>
+            <a:off x="6183629" y="4247535"/>
+            <a:ext cx="4114801" cy="1101706"/>
+          </a:xfrm>
+          <a:prstGeom prst="rect">
+            <a:avLst/>
+          </a:prstGeom>
+        </p:spPr>
+      </p:pic>
+      <p:pic>
+        <p:nvPicPr>
+          <p:cNvPr id="4" name="Picture 3" descr="A screenshot of a computer&#10;&#10;Description automatically generated">
+            <a:extLst>
+              <a:ext uri="{FF2B5EF4-FFF2-40B4-BE49-F238E27FC236}">
+                <a16:creationId xmlns:a16="http://schemas.microsoft.com/office/drawing/2014/main" id="{47A32880-96E8-2FBC-A6D7-885D6ADCC626}"/>
+              </a:ext>
+            </a:extLst>
+          </p:cNvPr>
+          <p:cNvPicPr>
+            <a:picLocks noChangeAspect="1"/>
+          </p:cNvPicPr>
+          <p:nvPr/>
+        </p:nvPicPr>
+        <p:blipFill>
+          <a:blip r:embed="rId4">
+            <a:extLst>
+              <a:ext uri="{28A0092B-C50C-407E-A947-70E740481C1C}">
+                <a14:useLocalDpi xmlns:a14="http://schemas.microsoft.com/office/drawing/2010/main" val="0"/>
+              </a:ext>
+            </a:extLst>
+          </a:blip>
+          <a:srcRect l="9335" t="10903" r="31950" b="47097"/>
+          <a:stretch/>
+        </p:blipFill>
+        <p:spPr>
+          <a:xfrm>
+            <a:off x="4250411" y="880110"/>
+            <a:ext cx="2664740" cy="1920240"/>
+          </a:xfrm>
+          <a:prstGeom prst="rect">
+            <a:avLst/>
+          </a:prstGeom>
+        </p:spPr>
+      </p:pic>
+      <p:pic>
+        <p:nvPicPr>
+          <p:cNvPr id="5" name="Picture 4" descr="A screenshot of a trivia game&#10;&#10;Description automatically generated">
+            <a:extLst>
+              <a:ext uri="{FF2B5EF4-FFF2-40B4-BE49-F238E27FC236}">
+                <a16:creationId xmlns:a16="http://schemas.microsoft.com/office/drawing/2014/main" id="{328479D2-33B7-6810-7E79-336F75350A46}"/>
+              </a:ext>
+            </a:extLst>
+          </p:cNvPr>
+          <p:cNvPicPr>
+            <a:picLocks noChangeAspect="1"/>
+          </p:cNvPicPr>
+          <p:nvPr/>
+        </p:nvPicPr>
+        <p:blipFill>
+          <a:blip r:embed="rId5">
+            <a:extLst>
+              <a:ext uri="{28A0092B-C50C-407E-A947-70E740481C1C}">
+                <a14:useLocalDpi xmlns:a14="http://schemas.microsoft.com/office/drawing/2010/main" val="0"/>
+              </a:ext>
+            </a:extLst>
+          </a:blip>
+          <a:srcRect l="3617" t="69233" r="2653" b="2000"/>
+          <a:stretch/>
+        </p:blipFill>
+        <p:spPr>
+          <a:xfrm>
+            <a:off x="7372351" y="1393668"/>
+            <a:ext cx="4274820" cy="1315242"/>
+          </a:xfrm>
+          <a:prstGeom prst="rect">
+            <a:avLst/>
+          </a:prstGeom>
+        </p:spPr>
+      </p:pic>
+    </p:spTree>
+    <p:extLst>
+      <p:ext uri="{BB962C8B-B14F-4D97-AF65-F5344CB8AC3E}">
+        <p14:creationId xmlns:p14="http://schemas.microsoft.com/office/powerpoint/2010/main" val="3395390617"/>
+      </p:ext>
+    </p:extLst>
+  </p:cSld>
+  <p:clrMapOvr>
+    <a:masterClrMapping/>
+  </p:clrMapOvr>
+</p:sld>
+</file>
+
+<file path=ppt/slides/slide4.xml><?xml version="1.0" encoding="utf-8"?>
+<p:sld xmlns:a="http://schemas.openxmlformats.org/drawingml/2006/main" xmlns:r="http://schemas.openxmlformats.org/officeDocument/2006/relationships" xmlns:p="http://schemas.openxmlformats.org/presentationml/2006/main">
+  <p:cSld>
+    <p:spTree>
+      <p:nvGrpSpPr>
+        <p:cNvPr id="1" name=""/>
+        <p:cNvGrpSpPr/>
+        <p:nvPr/>
+      </p:nvGrpSpPr>
+      <p:grpSpPr>
+        <a:xfrm>
+          <a:off x="0" y="0"/>
+          <a:ext cx="0" cy="0"/>
+          <a:chOff x="0" y="0"/>
+          <a:chExt cx="0" cy="0"/>
+        </a:xfrm>
+      </p:grpSpPr>
+      <p:pic>
+        <p:nvPicPr>
           <p:cNvPr id="3" name="Picture 2" descr="A screenshot of a computer game&#10;&#10;Description automatically generated">
             <a:extLst>
               <a:ext uri="{FF2B5EF4-FFF2-40B4-BE49-F238E27FC236}">
@@ -22722,7 +24913,7 @@
 </p:sld>
 </file>
 
-<file path=ppt/slides/slide3.xml><?xml version="1.0" encoding="utf-8"?>
+<file path=ppt/slides/slide5.xml><?xml version="1.0" encoding="utf-8"?>
 <p:sld xmlns:a="http://schemas.openxmlformats.org/drawingml/2006/main" xmlns:r="http://schemas.openxmlformats.org/officeDocument/2006/relationships" xmlns:p="http://schemas.openxmlformats.org/presentationml/2006/main">
   <p:cSld>
     <p:spTree>
@@ -22837,7 +25028,7 @@
 </p:sld>
 </file>
 
-<file path=ppt/slides/slide4.xml><?xml version="1.0" encoding="utf-8"?>
+<file path=ppt/slides/slide6.xml><?xml version="1.0" encoding="utf-8"?>
 <p:sld xmlns:a="http://schemas.openxmlformats.org/drawingml/2006/main" xmlns:r="http://schemas.openxmlformats.org/officeDocument/2006/relationships" xmlns:p="http://schemas.openxmlformats.org/presentationml/2006/main">
   <p:cSld>
     <p:spTree>
@@ -23388,7 +25579,7 @@
 </p:sld>
 </file>
 
-<file path=ppt/slides/slide5.xml><?xml version="1.0" encoding="utf-8"?>
+<file path=ppt/slides/slide7.xml><?xml version="1.0" encoding="utf-8"?>
 <p:sld xmlns:a="http://schemas.openxmlformats.org/drawingml/2006/main" xmlns:r="http://schemas.openxmlformats.org/officeDocument/2006/relationships" xmlns:p="http://schemas.openxmlformats.org/presentationml/2006/main">
   <p:cSld>
     <p:spTree>
@@ -23490,7 +25681,67 @@
 </p:sld>
 </file>
 
-<file path=ppt/slides/slide6.xml><?xml version="1.0" encoding="utf-8"?>
+<file path=ppt/slides/slide8.xml><?xml version="1.0" encoding="utf-8"?>
+<p:sld xmlns:a="http://schemas.openxmlformats.org/drawingml/2006/main" xmlns:r="http://schemas.openxmlformats.org/officeDocument/2006/relationships" xmlns:p="http://schemas.openxmlformats.org/presentationml/2006/main">
+  <p:cSld>
+    <p:spTree>
+      <p:nvGrpSpPr>
+        <p:cNvPr id="1" name=""/>
+        <p:cNvGrpSpPr/>
+        <p:nvPr/>
+      </p:nvGrpSpPr>
+      <p:grpSpPr>
+        <a:xfrm>
+          <a:off x="0" y="0"/>
+          <a:ext cx="0" cy="0"/>
+          <a:chOff x="0" y="0"/>
+          <a:chExt cx="0" cy="0"/>
+        </a:xfrm>
+      </p:grpSpPr>
+      <p:pic>
+        <p:nvPicPr>
+          <p:cNvPr id="3" name="Picture 2">
+            <a:extLst>
+              <a:ext uri="{FF2B5EF4-FFF2-40B4-BE49-F238E27FC236}">
+                <a16:creationId xmlns:a16="http://schemas.microsoft.com/office/drawing/2014/main" id="{67843B1A-9DB2-31D6-F429-D17B2B161948}"/>
+              </a:ext>
+            </a:extLst>
+          </p:cNvPr>
+          <p:cNvPicPr>
+            <a:picLocks noChangeAspect="1"/>
+          </p:cNvPicPr>
+          <p:nvPr/>
+        </p:nvPicPr>
+        <p:blipFill>
+          <a:blip r:embed="rId2"/>
+          <a:stretch>
+            <a:fillRect/>
+          </a:stretch>
+        </p:blipFill>
+        <p:spPr>
+          <a:xfrm>
+            <a:off x="2667000" y="0"/>
+            <a:ext cx="6858000" cy="6858000"/>
+          </a:xfrm>
+          <a:prstGeom prst="rect">
+            <a:avLst/>
+          </a:prstGeom>
+        </p:spPr>
+      </p:pic>
+    </p:spTree>
+    <p:extLst>
+      <p:ext uri="{BB962C8B-B14F-4D97-AF65-F5344CB8AC3E}">
+        <p14:creationId xmlns:p14="http://schemas.microsoft.com/office/powerpoint/2010/main" val="1145319748"/>
+      </p:ext>
+    </p:extLst>
+  </p:cSld>
+  <p:clrMapOvr>
+    <a:masterClrMapping/>
+  </p:clrMapOvr>
+</p:sld>
+</file>
+
+<file path=ppt/slides/slide9.xml><?xml version="1.0" encoding="utf-8"?>
 <p:sld xmlns:a="http://schemas.openxmlformats.org/drawingml/2006/main" xmlns:r="http://schemas.openxmlformats.org/officeDocument/2006/relationships" xmlns:p="http://schemas.openxmlformats.org/presentationml/2006/main">
   <p:cSld>
     <p:spTree>
@@ -23583,1963 +25834,6 @@
     <p:extLst>
       <p:ext uri="{BB962C8B-B14F-4D97-AF65-F5344CB8AC3E}">
         <p14:creationId xmlns:p14="http://schemas.microsoft.com/office/powerpoint/2010/main" val="1469711731"/>
-      </p:ext>
-    </p:extLst>
-  </p:cSld>
-  <p:clrMapOvr>
-    <a:masterClrMapping/>
-  </p:clrMapOvr>
-</p:sld>
-</file>
-
-<file path=ppt/slides/slide7.xml><?xml version="1.0" encoding="utf-8"?>
-<p:sld xmlns:a="http://schemas.openxmlformats.org/drawingml/2006/main" xmlns:r="http://schemas.openxmlformats.org/officeDocument/2006/relationships" xmlns:p="http://schemas.openxmlformats.org/presentationml/2006/main">
-  <p:cSld>
-    <p:spTree>
-      <p:nvGrpSpPr>
-        <p:cNvPr id="1" name=""/>
-        <p:cNvGrpSpPr/>
-        <p:nvPr/>
-      </p:nvGrpSpPr>
-      <p:grpSpPr>
-        <a:xfrm>
-          <a:off x="0" y="0"/>
-          <a:ext cx="0" cy="0"/>
-          <a:chOff x="0" y="0"/>
-          <a:chExt cx="0" cy="0"/>
-        </a:xfrm>
-      </p:grpSpPr>
-      <mc:AlternateContent xmlns:mc="http://schemas.openxmlformats.org/markup-compatibility/2006" xmlns:a14="http://schemas.microsoft.com/office/drawing/2010/main">
-        <mc:Choice Requires="a14">
-          <p:sp>
-            <p:nvSpPr>
-              <p:cNvPr id="2" name="TextBox 1">
-                <a:extLst>
-                  <a:ext uri="{FF2B5EF4-FFF2-40B4-BE49-F238E27FC236}">
-                    <a16:creationId xmlns:a16="http://schemas.microsoft.com/office/drawing/2014/main" id="{55AF6335-2281-3D07-F557-843C40B3BF2F}"/>
-                  </a:ext>
-                </a:extLst>
-              </p:cNvPr>
-              <p:cNvSpPr txBox="1"/>
-              <p:nvPr/>
-            </p:nvSpPr>
-            <p:spPr>
-              <a:xfrm>
-                <a:off x="1608010" y="716121"/>
-                <a:ext cx="918265" cy="572273"/>
-              </a:xfrm>
-              <a:prstGeom prst="rect">
-                <a:avLst/>
-              </a:prstGeom>
-              <a:noFill/>
-            </p:spPr>
-            <p:txBody>
-              <a:bodyPr wrap="none" lIns="0" tIns="0" rIns="0" bIns="0" rtlCol="0">
-                <a:spAutoFit/>
-              </a:bodyPr>
-              <a:lstStyle/>
-              <a:p>
-                <a:pPr/>
-                <a14:m>
-                  <m:oMathPara xmlns:m="http://schemas.openxmlformats.org/officeDocument/2006/math">
-                    <m:oMathParaPr>
-                      <m:jc m:val="centerGroup"/>
-                    </m:oMathParaPr>
-                    <m:oMath xmlns:m="http://schemas.openxmlformats.org/officeDocument/2006/math">
-                      <m:r>
-                        <a:rPr lang="en-US" b="0" i="1" smtClean="0">
-                          <a:latin typeface="Cambria Math" panose="02040503050406030204" pitchFamily="18" charset="0"/>
-                        </a:rPr>
-                        <m:t>𝑆𝐸</m:t>
-                      </m:r>
-                      <m:r>
-                        <a:rPr lang="en-US" i="1" smtClean="0">
-                          <a:latin typeface="Cambria Math" panose="02040503050406030204" pitchFamily="18" charset="0"/>
-                        </a:rPr>
-                        <m:t>=</m:t>
-                      </m:r>
-                      <m:f>
-                        <m:fPr>
-                          <m:ctrlPr>
-                            <a:rPr lang="en-US" i="1" smtClean="0">
-                              <a:latin typeface="Cambria Math" panose="02040503050406030204" pitchFamily="18" charset="0"/>
-                            </a:rPr>
-                          </m:ctrlPr>
-                        </m:fPr>
-                        <m:num>
-                          <m:r>
-                            <a:rPr lang="en-US" b="0" i="1" smtClean="0">
-                              <a:latin typeface="Cambria Math" panose="02040503050406030204" pitchFamily="18" charset="0"/>
-                            </a:rPr>
-                            <m:t>𝑆𝐷</m:t>
-                          </m:r>
-                        </m:num>
-                        <m:den>
-                          <m:rad>
-                            <m:radPr>
-                              <m:degHide m:val="on"/>
-                              <m:ctrlPr>
-                                <a:rPr lang="en-US" i="1" smtClean="0">
-                                  <a:latin typeface="Cambria Math" panose="02040503050406030204" pitchFamily="18" charset="0"/>
-                                </a:rPr>
-                              </m:ctrlPr>
-                            </m:radPr>
-                            <m:deg/>
-                            <m:e>
-                              <m:r>
-                                <a:rPr lang="en-US" b="0" i="1" smtClean="0">
-                                  <a:latin typeface="Cambria Math" panose="02040503050406030204" pitchFamily="18" charset="0"/>
-                                </a:rPr>
-                                <m:t>𝑛</m:t>
-                              </m:r>
-                            </m:e>
-                          </m:rad>
-                        </m:den>
-                      </m:f>
-                    </m:oMath>
-                  </m:oMathPara>
-                </a14:m>
-                <a:endParaRPr lang="en-US" dirty="0"/>
-              </a:p>
-            </p:txBody>
-          </p:sp>
-        </mc:Choice>
-        <mc:Fallback xmlns="">
-          <p:sp>
-            <p:nvSpPr>
-              <p:cNvPr id="2" name="TextBox 1">
-                <a:extLst>
-                  <a:ext uri="{FF2B5EF4-FFF2-40B4-BE49-F238E27FC236}">
-                    <a16:creationId xmlns:a16="http://schemas.microsoft.com/office/drawing/2014/main" id="{55AF6335-2281-3D07-F557-843C40B3BF2F}"/>
-                  </a:ext>
-                </a:extLst>
-              </p:cNvPr>
-              <p:cNvSpPr txBox="1">
-                <a:spLocks noRot="1" noChangeAspect="1" noMove="1" noResize="1" noEditPoints="1" noAdjustHandles="1" noChangeArrowheads="1" noChangeShapeType="1" noTextEdit="1"/>
-              </p:cNvSpPr>
-              <p:nvPr/>
-            </p:nvSpPr>
-            <p:spPr>
-              <a:xfrm>
-                <a:off x="1608010" y="716121"/>
-                <a:ext cx="918265" cy="572273"/>
-              </a:xfrm>
-              <a:prstGeom prst="rect">
-                <a:avLst/>
-              </a:prstGeom>
-              <a:blipFill>
-                <a:blip r:embed="rId2"/>
-                <a:stretch>
-                  <a:fillRect b="-1064"/>
-                </a:stretch>
-              </a:blipFill>
-            </p:spPr>
-            <p:txBody>
-              <a:bodyPr/>
-              <a:lstStyle/>
-              <a:p>
-                <a:r>
-                  <a:rPr lang="en-US">
-                    <a:noFill/>
-                  </a:rPr>
-                  <a:t> </a:t>
-                </a:r>
-              </a:p>
-            </p:txBody>
-          </p:sp>
-        </mc:Fallback>
-      </mc:AlternateContent>
-      <mc:AlternateContent xmlns:mc="http://schemas.openxmlformats.org/markup-compatibility/2006" xmlns:a14="http://schemas.microsoft.com/office/drawing/2010/main">
-        <mc:Choice Requires="a14">
-          <p:sp>
-            <p:nvSpPr>
-              <p:cNvPr id="3" name="TextBox 2">
-                <a:extLst>
-                  <a:ext uri="{FF2B5EF4-FFF2-40B4-BE49-F238E27FC236}">
-                    <a16:creationId xmlns:a16="http://schemas.microsoft.com/office/drawing/2014/main" id="{3200B11D-E3F6-59C7-8816-3CC1B9A3B5C2}"/>
-                  </a:ext>
-                </a:extLst>
-              </p:cNvPr>
-              <p:cNvSpPr txBox="1"/>
-              <p:nvPr/>
-            </p:nvSpPr>
-            <p:spPr>
-              <a:xfrm>
-                <a:off x="3810000" y="716121"/>
-                <a:ext cx="1509259" cy="535724"/>
-              </a:xfrm>
-              <a:prstGeom prst="rect">
-                <a:avLst/>
-              </a:prstGeom>
-              <a:noFill/>
-            </p:spPr>
-            <p:txBody>
-              <a:bodyPr wrap="none" lIns="0" tIns="0" rIns="0" bIns="0" rtlCol="0">
-                <a:spAutoFit/>
-              </a:bodyPr>
-              <a:lstStyle/>
-              <a:p>
-                <a:pPr/>
-                <a14:m>
-                  <m:oMathPara xmlns:m="http://schemas.openxmlformats.org/officeDocument/2006/math">
-                    <m:oMathParaPr>
-                      <m:jc m:val="centerGroup"/>
-                    </m:oMathParaPr>
-                    <m:oMath xmlns:m="http://schemas.openxmlformats.org/officeDocument/2006/math">
-                      <m:r>
-                        <a:rPr lang="en-US" b="0" i="1" smtClean="0">
-                          <a:latin typeface="Cambria Math" panose="02040503050406030204" pitchFamily="18" charset="0"/>
-                        </a:rPr>
-                        <m:t>𝑡</m:t>
-                      </m:r>
-                      <m:r>
-                        <a:rPr lang="en-US" b="0" i="1" smtClean="0">
-                          <a:latin typeface="Cambria Math" panose="02040503050406030204" pitchFamily="18" charset="0"/>
-                        </a:rPr>
-                        <m:t>= </m:t>
-                      </m:r>
-                      <m:f>
-                        <m:fPr>
-                          <m:ctrlPr>
-                            <a:rPr lang="en-US" b="0" i="1" smtClean="0">
-                              <a:latin typeface="Cambria Math" panose="02040503050406030204" pitchFamily="18" charset="0"/>
-                            </a:rPr>
-                          </m:ctrlPr>
-                        </m:fPr>
-                        <m:num>
-                          <m:d>
-                            <m:dPr>
-                              <m:ctrlPr>
-                                <a:rPr lang="en-US" b="0" i="1" smtClean="0">
-                                  <a:latin typeface="Cambria Math" panose="02040503050406030204" pitchFamily="18" charset="0"/>
-                                </a:rPr>
-                              </m:ctrlPr>
-                            </m:dPr>
-                            <m:e>
-                              <m:r>
-                                <a:rPr lang="en-US" b="0" i="1" smtClean="0">
-                                  <a:latin typeface="Cambria Math" panose="02040503050406030204" pitchFamily="18" charset="0"/>
-                                </a:rPr>
-                                <m:t>𝑀</m:t>
-                              </m:r>
-                              <m:r>
-                                <a:rPr lang="en-US" b="0" i="1" smtClean="0">
-                                  <a:latin typeface="Cambria Math" panose="02040503050406030204" pitchFamily="18" charset="0"/>
-                                </a:rPr>
-                                <m:t> − </m:t>
-                              </m:r>
-                              <m:sSub>
-                                <m:sSubPr>
-                                  <m:ctrlPr>
-                                    <a:rPr lang="en-US" b="0" i="1" smtClean="0">
-                                      <a:latin typeface="Cambria Math" panose="02040503050406030204" pitchFamily="18" charset="0"/>
-                                      <a:ea typeface="Cambria Math" panose="02040503050406030204" pitchFamily="18" charset="0"/>
-                                    </a:rPr>
-                                  </m:ctrlPr>
-                                </m:sSubPr>
-                                <m:e>
-                                  <m:r>
-                                    <a:rPr lang="en-US" b="0" i="1" smtClean="0">
-                                      <a:latin typeface="Cambria Math" panose="02040503050406030204" pitchFamily="18" charset="0"/>
-                                      <a:ea typeface="Cambria Math" panose="02040503050406030204" pitchFamily="18" charset="0"/>
-                                    </a:rPr>
-                                    <m:t>𝜇</m:t>
-                                  </m:r>
-                                </m:e>
-                                <m:sub>
-                                  <m:r>
-                                    <a:rPr lang="en-US" b="0" i="1" smtClean="0">
-                                      <a:latin typeface="Cambria Math" panose="02040503050406030204" pitchFamily="18" charset="0"/>
-                                      <a:ea typeface="Cambria Math" panose="02040503050406030204" pitchFamily="18" charset="0"/>
-                                    </a:rPr>
-                                    <m:t>0</m:t>
-                                  </m:r>
-                                </m:sub>
-                              </m:sSub>
-                            </m:e>
-                          </m:d>
-                        </m:num>
-                        <m:den>
-                          <m:r>
-                            <a:rPr lang="en-US" b="0" i="1" smtClean="0">
-                              <a:latin typeface="Cambria Math" panose="02040503050406030204" pitchFamily="18" charset="0"/>
-                            </a:rPr>
-                            <m:t>𝑆𝐸</m:t>
-                          </m:r>
-                        </m:den>
-                      </m:f>
-                    </m:oMath>
-                  </m:oMathPara>
-                </a14:m>
-                <a:endParaRPr lang="en-US" dirty="0"/>
-              </a:p>
-            </p:txBody>
-          </p:sp>
-        </mc:Choice>
-        <mc:Fallback xmlns="">
-          <p:sp>
-            <p:nvSpPr>
-              <p:cNvPr id="3" name="TextBox 2">
-                <a:extLst>
-                  <a:ext uri="{FF2B5EF4-FFF2-40B4-BE49-F238E27FC236}">
-                    <a16:creationId xmlns:a16="http://schemas.microsoft.com/office/drawing/2014/main" id="{3200B11D-E3F6-59C7-8816-3CC1B9A3B5C2}"/>
-                  </a:ext>
-                </a:extLst>
-              </p:cNvPr>
-              <p:cNvSpPr txBox="1">
-                <a:spLocks noRot="1" noChangeAspect="1" noMove="1" noResize="1" noEditPoints="1" noAdjustHandles="1" noChangeArrowheads="1" noChangeShapeType="1" noTextEdit="1"/>
-              </p:cNvSpPr>
-              <p:nvPr/>
-            </p:nvSpPr>
-            <p:spPr>
-              <a:xfrm>
-                <a:off x="3810000" y="716121"/>
-                <a:ext cx="1509259" cy="535724"/>
-              </a:xfrm>
-              <a:prstGeom prst="rect">
-                <a:avLst/>
-              </a:prstGeom>
-              <a:blipFill>
-                <a:blip r:embed="rId3"/>
-                <a:stretch>
-                  <a:fillRect/>
-                </a:stretch>
-              </a:blipFill>
-            </p:spPr>
-            <p:txBody>
-              <a:bodyPr/>
-              <a:lstStyle/>
-              <a:p>
-                <a:r>
-                  <a:rPr lang="en-US">
-                    <a:noFill/>
-                  </a:rPr>
-                  <a:t> </a:t>
-                </a:r>
-              </a:p>
-            </p:txBody>
-          </p:sp>
-        </mc:Fallback>
-      </mc:AlternateContent>
-      <mc:AlternateContent xmlns:mc="http://schemas.openxmlformats.org/markup-compatibility/2006" xmlns:a14="http://schemas.microsoft.com/office/drawing/2010/main">
-        <mc:Choice Requires="a14">
-          <p:sp>
-            <p:nvSpPr>
-              <p:cNvPr id="4" name="TextBox 3">
-                <a:extLst>
-                  <a:ext uri="{FF2B5EF4-FFF2-40B4-BE49-F238E27FC236}">
-                    <a16:creationId xmlns:a16="http://schemas.microsoft.com/office/drawing/2014/main" id="{E592C215-9D68-38B3-AEED-8E0C19FA22C8}"/>
-                  </a:ext>
-                </a:extLst>
-              </p:cNvPr>
-              <p:cNvSpPr txBox="1"/>
-              <p:nvPr/>
-            </p:nvSpPr>
-            <p:spPr>
-              <a:xfrm>
-                <a:off x="5970284" y="533400"/>
-                <a:ext cx="1804918" cy="1136786"/>
-              </a:xfrm>
-              <a:prstGeom prst="rect">
-                <a:avLst/>
-              </a:prstGeom>
-              <a:noFill/>
-            </p:spPr>
-            <p:txBody>
-              <a:bodyPr wrap="none" lIns="0" tIns="0" rIns="0" bIns="0" rtlCol="0">
-                <a:spAutoFit/>
-              </a:bodyPr>
-              <a:lstStyle/>
-              <a:p>
-                <a:pPr/>
-                <a14:m>
-                  <m:oMathPara xmlns:m="http://schemas.openxmlformats.org/officeDocument/2006/math">
-                    <m:oMathParaPr>
-                      <m:jc m:val="centerGroup"/>
-                    </m:oMathParaPr>
-                    <m:oMath xmlns:m="http://schemas.openxmlformats.org/officeDocument/2006/math">
-                      <m:r>
-                        <a:rPr lang="en-US" b="0" i="1" smtClean="0">
-                          <a:latin typeface="Cambria Math" panose="02040503050406030204" pitchFamily="18" charset="0"/>
-                        </a:rPr>
-                        <m:t>𝑡</m:t>
-                      </m:r>
-                      <m:r>
-                        <a:rPr lang="en-US" b="0" i="1" smtClean="0">
-                          <a:latin typeface="Cambria Math" panose="02040503050406030204" pitchFamily="18" charset="0"/>
-                        </a:rPr>
-                        <m:t>= </m:t>
-                      </m:r>
-                      <m:f>
-                        <m:fPr>
-                          <m:ctrlPr>
-                            <a:rPr lang="en-US" b="0" i="1" smtClean="0">
-                              <a:latin typeface="Cambria Math" panose="02040503050406030204" pitchFamily="18" charset="0"/>
-                            </a:rPr>
-                          </m:ctrlPr>
-                        </m:fPr>
-                        <m:num>
-                          <m:d>
-                            <m:dPr>
-                              <m:ctrlPr>
-                                <a:rPr lang="en-US" b="0" i="1" smtClean="0">
-                                  <a:latin typeface="Cambria Math" panose="02040503050406030204" pitchFamily="18" charset="0"/>
-                                </a:rPr>
-                              </m:ctrlPr>
-                            </m:dPr>
-                            <m:e>
-                              <m:sSub>
-                                <m:sSubPr>
-                                  <m:ctrlPr>
-                                    <a:rPr lang="en-US" b="0" i="1" smtClean="0">
-                                      <a:latin typeface="Cambria Math" panose="02040503050406030204" pitchFamily="18" charset="0"/>
-                                    </a:rPr>
-                                  </m:ctrlPr>
-                                </m:sSubPr>
-                                <m:e>
-                                  <m:r>
-                                    <a:rPr lang="en-US" b="0" i="1" smtClean="0">
-                                      <a:latin typeface="Cambria Math" panose="02040503050406030204" pitchFamily="18" charset="0"/>
-                                    </a:rPr>
-                                    <m:t>𝑀</m:t>
-                                  </m:r>
-                                </m:e>
-                                <m:sub>
-                                  <m:r>
-                                    <a:rPr lang="en-US" b="0" i="1" smtClean="0">
-                                      <a:latin typeface="Cambria Math" panose="02040503050406030204" pitchFamily="18" charset="0"/>
-                                    </a:rPr>
-                                    <m:t>1</m:t>
-                                  </m:r>
-                                </m:sub>
-                              </m:sSub>
-                              <m:r>
-                                <a:rPr lang="en-US" b="0" i="1" smtClean="0">
-                                  <a:latin typeface="Cambria Math" panose="02040503050406030204" pitchFamily="18" charset="0"/>
-                                </a:rPr>
-                                <m:t> − </m:t>
-                              </m:r>
-                              <m:sSub>
-                                <m:sSubPr>
-                                  <m:ctrlPr>
-                                    <a:rPr lang="en-US" b="0" i="1" smtClean="0">
-                                      <a:latin typeface="Cambria Math" panose="02040503050406030204" pitchFamily="18" charset="0"/>
-                                    </a:rPr>
-                                  </m:ctrlPr>
-                                </m:sSubPr>
-                                <m:e>
-                                  <m:r>
-                                    <a:rPr lang="en-US" b="0" i="1" smtClean="0">
-                                      <a:latin typeface="Cambria Math" panose="02040503050406030204" pitchFamily="18" charset="0"/>
-                                    </a:rPr>
-                                    <m:t>𝑀</m:t>
-                                  </m:r>
-                                </m:e>
-                                <m:sub>
-                                  <m:r>
-                                    <a:rPr lang="en-US" b="0" i="1" smtClean="0">
-                                      <a:latin typeface="Cambria Math" panose="02040503050406030204" pitchFamily="18" charset="0"/>
-                                    </a:rPr>
-                                    <m:t>2</m:t>
-                                  </m:r>
-                                </m:sub>
-                              </m:sSub>
-                            </m:e>
-                          </m:d>
-                        </m:num>
-                        <m:den>
-                          <m:rad>
-                            <m:radPr>
-                              <m:degHide m:val="on"/>
-                              <m:ctrlPr>
-                                <a:rPr lang="en-US" b="0" i="1" smtClean="0">
-                                  <a:latin typeface="Cambria Math" panose="02040503050406030204" pitchFamily="18" charset="0"/>
-                                </a:rPr>
-                              </m:ctrlPr>
-                            </m:radPr>
-                            <m:deg/>
-                            <m:e>
-                              <m:f>
-                                <m:fPr>
-                                  <m:ctrlPr>
-                                    <a:rPr lang="en-US" b="0" i="1" smtClean="0">
-                                      <a:latin typeface="Cambria Math" panose="02040503050406030204" pitchFamily="18" charset="0"/>
-                                    </a:rPr>
-                                  </m:ctrlPr>
-                                </m:fPr>
-                                <m:num>
-                                  <m:sSubSup>
-                                    <m:sSubSupPr>
-                                      <m:ctrlPr>
-                                        <a:rPr lang="en-US" b="0" i="1" smtClean="0">
-                                          <a:latin typeface="Cambria Math" panose="02040503050406030204" pitchFamily="18" charset="0"/>
-                                        </a:rPr>
-                                      </m:ctrlPr>
-                                    </m:sSubSupPr>
-                                    <m:e>
-                                      <m:r>
-                                        <a:rPr lang="en-US" b="0" i="1" smtClean="0">
-                                          <a:latin typeface="Cambria Math" panose="02040503050406030204" pitchFamily="18" charset="0"/>
-                                        </a:rPr>
-                                        <m:t>𝑆𝐷</m:t>
-                                      </m:r>
-                                    </m:e>
-                                    <m:sub>
-                                      <m:r>
-                                        <a:rPr lang="en-US" b="0" i="1" smtClean="0">
-                                          <a:latin typeface="Cambria Math" panose="02040503050406030204" pitchFamily="18" charset="0"/>
-                                        </a:rPr>
-                                        <m:t>1</m:t>
-                                      </m:r>
-                                    </m:sub>
-                                    <m:sup>
-                                      <m:r>
-                                        <a:rPr lang="en-US" b="0" i="1" smtClean="0">
-                                          <a:latin typeface="Cambria Math" panose="02040503050406030204" pitchFamily="18" charset="0"/>
-                                        </a:rPr>
-                                        <m:t>2</m:t>
-                                      </m:r>
-                                    </m:sup>
-                                  </m:sSubSup>
-                                </m:num>
-                                <m:den>
-                                  <m:sSub>
-                                    <m:sSubPr>
-                                      <m:ctrlPr>
-                                        <a:rPr lang="en-US" b="0" i="1" smtClean="0">
-                                          <a:latin typeface="Cambria Math" panose="02040503050406030204" pitchFamily="18" charset="0"/>
-                                        </a:rPr>
-                                      </m:ctrlPr>
-                                    </m:sSubPr>
-                                    <m:e>
-                                      <m:r>
-                                        <a:rPr lang="en-US" b="0" i="1" smtClean="0">
-                                          <a:latin typeface="Cambria Math" panose="02040503050406030204" pitchFamily="18" charset="0"/>
-                                        </a:rPr>
-                                        <m:t>𝑛</m:t>
-                                      </m:r>
-                                    </m:e>
-                                    <m:sub>
-                                      <m:r>
-                                        <a:rPr lang="en-US" b="0" i="1" smtClean="0">
-                                          <a:latin typeface="Cambria Math" panose="02040503050406030204" pitchFamily="18" charset="0"/>
-                                        </a:rPr>
-                                        <m:t>1</m:t>
-                                      </m:r>
-                                    </m:sub>
-                                  </m:sSub>
-                                </m:den>
-                              </m:f>
-                              <m:r>
-                                <a:rPr lang="en-US" b="0" i="1" smtClean="0">
-                                  <a:latin typeface="Cambria Math" panose="02040503050406030204" pitchFamily="18" charset="0"/>
-                                </a:rPr>
-                                <m:t>+</m:t>
-                              </m:r>
-                              <m:f>
-                                <m:fPr>
-                                  <m:ctrlPr>
-                                    <a:rPr lang="en-US" b="0" i="1" smtClean="0">
-                                      <a:latin typeface="Cambria Math" panose="02040503050406030204" pitchFamily="18" charset="0"/>
-                                    </a:rPr>
-                                  </m:ctrlPr>
-                                </m:fPr>
-                                <m:num>
-                                  <m:sSubSup>
-                                    <m:sSubSupPr>
-                                      <m:ctrlPr>
-                                        <a:rPr lang="en-US" b="0" i="1" smtClean="0">
-                                          <a:latin typeface="Cambria Math" panose="02040503050406030204" pitchFamily="18" charset="0"/>
-                                        </a:rPr>
-                                      </m:ctrlPr>
-                                    </m:sSubSupPr>
-                                    <m:e>
-                                      <m:r>
-                                        <a:rPr lang="en-US" b="0" i="1" smtClean="0">
-                                          <a:latin typeface="Cambria Math" panose="02040503050406030204" pitchFamily="18" charset="0"/>
-                                        </a:rPr>
-                                        <m:t>𝑆𝐷</m:t>
-                                      </m:r>
-                                    </m:e>
-                                    <m:sub>
-                                      <m:r>
-                                        <a:rPr lang="en-US" b="0" i="1" smtClean="0">
-                                          <a:latin typeface="Cambria Math" panose="02040503050406030204" pitchFamily="18" charset="0"/>
-                                        </a:rPr>
-                                        <m:t>2</m:t>
-                                      </m:r>
-                                    </m:sub>
-                                    <m:sup>
-                                      <m:r>
-                                        <a:rPr lang="en-US" b="0" i="1" smtClean="0">
-                                          <a:latin typeface="Cambria Math" panose="02040503050406030204" pitchFamily="18" charset="0"/>
-                                        </a:rPr>
-                                        <m:t>2</m:t>
-                                      </m:r>
-                                    </m:sup>
-                                  </m:sSubSup>
-                                </m:num>
-                                <m:den>
-                                  <m:sSub>
-                                    <m:sSubPr>
-                                      <m:ctrlPr>
-                                        <a:rPr lang="en-US" b="0" i="1" smtClean="0">
-                                          <a:latin typeface="Cambria Math" panose="02040503050406030204" pitchFamily="18" charset="0"/>
-                                        </a:rPr>
-                                      </m:ctrlPr>
-                                    </m:sSubPr>
-                                    <m:e>
-                                      <m:r>
-                                        <a:rPr lang="en-US" b="0" i="1" smtClean="0">
-                                          <a:latin typeface="Cambria Math" panose="02040503050406030204" pitchFamily="18" charset="0"/>
-                                        </a:rPr>
-                                        <m:t>𝑛</m:t>
-                                      </m:r>
-                                    </m:e>
-                                    <m:sub>
-                                      <m:r>
-                                        <a:rPr lang="en-US" b="0" i="1" smtClean="0">
-                                          <a:latin typeface="Cambria Math" panose="02040503050406030204" pitchFamily="18" charset="0"/>
-                                        </a:rPr>
-                                        <m:t>2</m:t>
-                                      </m:r>
-                                    </m:sub>
-                                  </m:sSub>
-                                </m:den>
-                              </m:f>
-                            </m:e>
-                          </m:rad>
-                        </m:den>
-                      </m:f>
-                    </m:oMath>
-                  </m:oMathPara>
-                </a14:m>
-                <a:endParaRPr lang="en-US" dirty="0"/>
-              </a:p>
-            </p:txBody>
-          </p:sp>
-        </mc:Choice>
-        <mc:Fallback xmlns="">
-          <p:sp>
-            <p:nvSpPr>
-              <p:cNvPr id="4" name="TextBox 3">
-                <a:extLst>
-                  <a:ext uri="{FF2B5EF4-FFF2-40B4-BE49-F238E27FC236}">
-                    <a16:creationId xmlns:a16="http://schemas.microsoft.com/office/drawing/2014/main" id="{E592C215-9D68-38B3-AEED-8E0C19FA22C8}"/>
-                  </a:ext>
-                </a:extLst>
-              </p:cNvPr>
-              <p:cNvSpPr txBox="1">
-                <a:spLocks noRot="1" noChangeAspect="1" noMove="1" noResize="1" noEditPoints="1" noAdjustHandles="1" noChangeArrowheads="1" noChangeShapeType="1" noTextEdit="1"/>
-              </p:cNvSpPr>
-              <p:nvPr/>
-            </p:nvSpPr>
-            <p:spPr>
-              <a:xfrm>
-                <a:off x="5970284" y="533400"/>
-                <a:ext cx="1804918" cy="1136786"/>
-              </a:xfrm>
-              <a:prstGeom prst="rect">
-                <a:avLst/>
-              </a:prstGeom>
-              <a:blipFill>
-                <a:blip r:embed="rId4"/>
-                <a:stretch>
-                  <a:fillRect b="-538"/>
-                </a:stretch>
-              </a:blipFill>
-            </p:spPr>
-            <p:txBody>
-              <a:bodyPr/>
-              <a:lstStyle/>
-              <a:p>
-                <a:r>
-                  <a:rPr lang="en-US">
-                    <a:noFill/>
-                  </a:rPr>
-                  <a:t> </a:t>
-                </a:r>
-              </a:p>
-            </p:txBody>
-          </p:sp>
-        </mc:Fallback>
-      </mc:AlternateContent>
-      <mc:AlternateContent xmlns:mc="http://schemas.openxmlformats.org/markup-compatibility/2006">
-        <mc:Choice xmlns:a14="http://schemas.microsoft.com/office/drawing/2010/main" Requires="a14">
-          <p:sp>
-            <p:nvSpPr>
-              <p:cNvPr id="5" name="TextBox 4">
-                <a:extLst>
-                  <a:ext uri="{FF2B5EF4-FFF2-40B4-BE49-F238E27FC236}">
-                    <a16:creationId xmlns:a16="http://schemas.microsoft.com/office/drawing/2014/main" id="{1B2FB8DC-C1F8-B490-27C3-C2410CA61D46}"/>
-                  </a:ext>
-                </a:extLst>
-              </p:cNvPr>
-              <p:cNvSpPr txBox="1"/>
-              <p:nvPr/>
-            </p:nvSpPr>
-            <p:spPr>
-              <a:xfrm>
-                <a:off x="8655463" y="824794"/>
-                <a:ext cx="2401875" cy="276999"/>
-              </a:xfrm>
-              <a:prstGeom prst="rect">
-                <a:avLst/>
-              </a:prstGeom>
-              <a:noFill/>
-            </p:spPr>
-            <p:txBody>
-              <a:bodyPr wrap="none" lIns="0" tIns="0" rIns="0" bIns="0" rtlCol="0">
-                <a:spAutoFit/>
-              </a:bodyPr>
-              <a:lstStyle/>
-              <a:p>
-                <a:pPr/>
-                <a14:m>
-                  <m:oMathPara xmlns:m="http://schemas.openxmlformats.org/officeDocument/2006/math">
-                    <m:oMathParaPr>
-                      <m:jc m:val="centerGroup"/>
-                    </m:oMathParaPr>
-                    <m:oMath xmlns:m="http://schemas.openxmlformats.org/officeDocument/2006/math">
-                      <m:r>
-                        <a:rPr lang="en-US" b="0" i="1" smtClean="0">
-                          <a:latin typeface="Cambria Math" panose="02040503050406030204" pitchFamily="18" charset="0"/>
-                        </a:rPr>
-                        <m:t>𝑡</m:t>
-                      </m:r>
-                      <m:d>
-                        <m:dPr>
-                          <m:ctrlPr>
-                            <a:rPr lang="en-US" b="0" i="1" smtClean="0">
-                              <a:latin typeface="Cambria Math" panose="02040503050406030204" pitchFamily="18" charset="0"/>
-                            </a:rPr>
-                          </m:ctrlPr>
-                        </m:dPr>
-                        <m:e>
-                          <m:r>
-                            <a:rPr lang="en-US" b="0" i="1" smtClean="0">
-                              <a:latin typeface="Cambria Math" panose="02040503050406030204" pitchFamily="18" charset="0"/>
-                            </a:rPr>
-                            <m:t>𝑑𝑓</m:t>
-                          </m:r>
-                        </m:e>
-                      </m:d>
-                      <m:r>
-                        <a:rPr lang="en-US" i="1" smtClean="0">
-                          <a:latin typeface="Cambria Math" panose="02040503050406030204" pitchFamily="18" charset="0"/>
-                        </a:rPr>
-                        <m:t>=</m:t>
-                      </m:r>
-                      <m:r>
-                        <a:rPr lang="en-US" b="0" i="1" smtClean="0">
-                          <a:latin typeface="Cambria Math" panose="02040503050406030204" pitchFamily="18" charset="0"/>
-                        </a:rPr>
-                        <m:t>𝑋</m:t>
-                      </m:r>
-                      <m:r>
-                        <a:rPr lang="en-US" b="0" i="1" smtClean="0">
-                          <a:latin typeface="Cambria Math" panose="02040503050406030204" pitchFamily="18" charset="0"/>
-                        </a:rPr>
-                        <m:t>.</m:t>
-                      </m:r>
-                      <m:r>
-                        <a:rPr lang="en-US" b="0" i="1" smtClean="0">
-                          <a:latin typeface="Cambria Math" panose="02040503050406030204" pitchFamily="18" charset="0"/>
-                        </a:rPr>
-                        <m:t>𝑥𝑥</m:t>
-                      </m:r>
-                      <m:r>
-                        <a:rPr lang="en-US" b="0" i="1" smtClean="0">
-                          <a:latin typeface="Cambria Math" panose="02040503050406030204" pitchFamily="18" charset="0"/>
-                        </a:rPr>
-                        <m:t>, </m:t>
-                      </m:r>
-                      <m:r>
-                        <a:rPr lang="en-US" b="0" i="1" smtClean="0">
-                          <a:latin typeface="Cambria Math" panose="02040503050406030204" pitchFamily="18" charset="0"/>
-                        </a:rPr>
-                        <m:t>𝑝</m:t>
-                      </m:r>
-                      <m:r>
-                        <a:rPr lang="en-US" b="0" i="1" smtClean="0">
-                          <a:latin typeface="Cambria Math" panose="02040503050406030204" pitchFamily="18" charset="0"/>
-                        </a:rPr>
-                        <m:t>&lt;0.</m:t>
-                      </m:r>
-                      <m:r>
-                        <a:rPr lang="en-US" b="0" i="1" smtClean="0">
-                          <a:latin typeface="Cambria Math" panose="02040503050406030204" pitchFamily="18" charset="0"/>
-                        </a:rPr>
-                        <m:t>𝑦𝑦</m:t>
-                      </m:r>
-                    </m:oMath>
-                  </m:oMathPara>
-                </a14:m>
-                <a:endParaRPr lang="en-US" dirty="0"/>
-              </a:p>
-            </p:txBody>
-          </p:sp>
-        </mc:Choice>
-        <mc:Fallback>
-          <p:sp>
-            <p:nvSpPr>
-              <p:cNvPr id="5" name="TextBox 4">
-                <a:extLst>
-                  <a:ext uri="{FF2B5EF4-FFF2-40B4-BE49-F238E27FC236}">
-                    <a16:creationId xmlns:a16="http://schemas.microsoft.com/office/drawing/2014/main" id="{1B2FB8DC-C1F8-B490-27C3-C2410CA61D46}"/>
-                  </a:ext>
-                </a:extLst>
-              </p:cNvPr>
-              <p:cNvSpPr txBox="1">
-                <a:spLocks noRot="1" noChangeAspect="1" noMove="1" noResize="1" noEditPoints="1" noAdjustHandles="1" noChangeArrowheads="1" noChangeShapeType="1" noTextEdit="1"/>
-              </p:cNvSpPr>
-              <p:nvPr/>
-            </p:nvSpPr>
-            <p:spPr>
-              <a:xfrm>
-                <a:off x="8655463" y="824794"/>
-                <a:ext cx="2401875" cy="276999"/>
-              </a:xfrm>
-              <a:prstGeom prst="rect">
-                <a:avLst/>
-              </a:prstGeom>
-              <a:blipFill>
-                <a:blip r:embed="rId5"/>
-                <a:stretch>
-                  <a:fillRect l="-1777" t="-2174" r="-1777" b="-32609"/>
-                </a:stretch>
-              </a:blipFill>
-            </p:spPr>
-            <p:txBody>
-              <a:bodyPr/>
-              <a:lstStyle/>
-              <a:p>
-                <a:r>
-                  <a:rPr lang="en-US">
-                    <a:noFill/>
-                  </a:rPr>
-                  <a:t> </a:t>
-                </a:r>
-              </a:p>
-            </p:txBody>
-          </p:sp>
-        </mc:Fallback>
-      </mc:AlternateContent>
-      <mc:AlternateContent xmlns:mc="http://schemas.openxmlformats.org/markup-compatibility/2006">
-        <mc:Choice xmlns:a14="http://schemas.microsoft.com/office/drawing/2010/main" Requires="a14">
-          <p:sp>
-            <p:nvSpPr>
-              <p:cNvPr id="7" name="TextBox 6">
-                <a:extLst>
-                  <a:ext uri="{FF2B5EF4-FFF2-40B4-BE49-F238E27FC236}">
-                    <a16:creationId xmlns:a16="http://schemas.microsoft.com/office/drawing/2014/main" id="{4ED51F71-3776-0839-C045-4E60EA13AE83}"/>
-                  </a:ext>
-                </a:extLst>
-              </p:cNvPr>
-              <p:cNvSpPr txBox="1"/>
-              <p:nvPr/>
-            </p:nvSpPr>
-            <p:spPr>
-              <a:xfrm>
-                <a:off x="5664613" y="3291840"/>
-                <a:ext cx="2874761" cy="276999"/>
-              </a:xfrm>
-              <a:prstGeom prst="rect">
-                <a:avLst/>
-              </a:prstGeom>
-              <a:noFill/>
-            </p:spPr>
-            <p:txBody>
-              <a:bodyPr wrap="none" lIns="0" tIns="0" rIns="0" bIns="0" rtlCol="0">
-                <a:spAutoFit/>
-              </a:bodyPr>
-              <a:lstStyle/>
-              <a:p>
-                <a14:m>
-                  <m:oMathPara xmlns:m="http://schemas.openxmlformats.org/officeDocument/2006/math">
-                    <m:oMathParaPr>
-                      <m:jc m:val="centerGroup"/>
-                    </m:oMathParaPr>
-                    <m:oMath xmlns:m="http://schemas.openxmlformats.org/officeDocument/2006/math">
-                      <m:r>
-                        <a:rPr lang="en-US" b="0" i="1" smtClean="0">
-                          <a:latin typeface="Cambria Math" panose="02040503050406030204" pitchFamily="18" charset="0"/>
-                        </a:rPr>
-                        <m:t>𝐹</m:t>
-                      </m:r>
-                      <m:d>
-                        <m:dPr>
-                          <m:ctrlPr>
-                            <a:rPr lang="en-US" i="1" smtClean="0">
-                              <a:latin typeface="Cambria Math" panose="02040503050406030204" pitchFamily="18" charset="0"/>
-                            </a:rPr>
-                          </m:ctrlPr>
-                        </m:dPr>
-                        <m:e>
-                          <m:sSub>
-                            <m:sSubPr>
-                              <m:ctrlPr>
-                                <a:rPr lang="en-US" i="1" smtClean="0">
-                                  <a:latin typeface="Cambria Math" panose="02040503050406030204" pitchFamily="18" charset="0"/>
-                                </a:rPr>
-                              </m:ctrlPr>
-                            </m:sSubPr>
-                            <m:e>
-                              <m:r>
-                                <a:rPr lang="en-US" b="0" i="1" smtClean="0">
-                                  <a:latin typeface="Cambria Math" panose="02040503050406030204" pitchFamily="18" charset="0"/>
-                                </a:rPr>
-                                <m:t>𝑑𝑓</m:t>
-                              </m:r>
-                            </m:e>
-                            <m:sub>
-                              <m:r>
-                                <a:rPr lang="en-US" b="0" i="1" smtClean="0">
-                                  <a:latin typeface="Cambria Math" panose="02040503050406030204" pitchFamily="18" charset="0"/>
-                                </a:rPr>
-                                <m:t>𝑛</m:t>
-                              </m:r>
-                            </m:sub>
-                          </m:sSub>
-                          <m:r>
-                            <a:rPr lang="en-US" b="0" i="1" smtClean="0">
-                              <a:latin typeface="Cambria Math" panose="02040503050406030204" pitchFamily="18" charset="0"/>
-                            </a:rPr>
-                            <m:t>,</m:t>
-                          </m:r>
-                          <m:sSub>
-                            <m:sSubPr>
-                              <m:ctrlPr>
-                                <a:rPr lang="en-US" b="0" i="1" smtClean="0">
-                                  <a:latin typeface="Cambria Math" panose="02040503050406030204" pitchFamily="18" charset="0"/>
-                                </a:rPr>
-                              </m:ctrlPr>
-                            </m:sSubPr>
-                            <m:e>
-                              <m:r>
-                                <a:rPr lang="en-US" b="0" i="1" smtClean="0">
-                                  <a:latin typeface="Cambria Math" panose="02040503050406030204" pitchFamily="18" charset="0"/>
-                                </a:rPr>
-                                <m:t>𝑑𝑓</m:t>
-                              </m:r>
-                            </m:e>
-                            <m:sub>
-                              <m:r>
-                                <a:rPr lang="en-US" b="0" i="1" smtClean="0">
-                                  <a:latin typeface="Cambria Math" panose="02040503050406030204" pitchFamily="18" charset="0"/>
-                                </a:rPr>
-                                <m:t>𝑑</m:t>
-                              </m:r>
-                            </m:sub>
-                          </m:sSub>
-                        </m:e>
-                      </m:d>
-                      <m:r>
-                        <a:rPr lang="en-US" i="1" smtClean="0">
-                          <a:latin typeface="Cambria Math" panose="02040503050406030204" pitchFamily="18" charset="0"/>
-                        </a:rPr>
-                        <m:t>=</m:t>
-                      </m:r>
-                      <m:r>
-                        <m:rPr>
-                          <m:sty m:val="p"/>
-                        </m:rPr>
-                        <a:rPr lang="en-US" b="0" i="0" smtClean="0">
-                          <a:latin typeface="Cambria Math" panose="02040503050406030204" pitchFamily="18" charset="0"/>
-                        </a:rPr>
-                        <m:t>X</m:t>
-                      </m:r>
-                      <m:r>
-                        <a:rPr lang="en-US" b="0" i="0" smtClean="0">
-                          <a:latin typeface="Cambria Math" panose="02040503050406030204" pitchFamily="18" charset="0"/>
-                        </a:rPr>
-                        <m:t>.</m:t>
-                      </m:r>
-                      <m:r>
-                        <m:rPr>
-                          <m:sty m:val="p"/>
-                        </m:rPr>
-                        <a:rPr lang="en-US" b="0" i="0" smtClean="0">
-                          <a:latin typeface="Cambria Math" panose="02040503050406030204" pitchFamily="18" charset="0"/>
-                        </a:rPr>
-                        <m:t>xx</m:t>
-                      </m:r>
-                      <m:r>
-                        <a:rPr lang="en-US" b="0" i="0" smtClean="0">
-                          <a:latin typeface="Cambria Math" panose="02040503050406030204" pitchFamily="18" charset="0"/>
-                        </a:rPr>
-                        <m:t>, </m:t>
-                      </m:r>
-                      <m:r>
-                        <a:rPr lang="en-US" b="0" i="1" smtClean="0">
-                          <a:latin typeface="Cambria Math" panose="02040503050406030204" pitchFamily="18" charset="0"/>
-                        </a:rPr>
-                        <m:t>𝑝</m:t>
-                      </m:r>
-                      <m:r>
-                        <a:rPr lang="en-US" b="0" i="0" smtClean="0">
-                          <a:latin typeface="Cambria Math" panose="02040503050406030204" pitchFamily="18" charset="0"/>
-                        </a:rPr>
-                        <m:t>&lt;0.</m:t>
-                      </m:r>
-                      <m:r>
-                        <m:rPr>
-                          <m:sty m:val="p"/>
-                        </m:rPr>
-                        <a:rPr lang="en-US" b="0" i="0" smtClean="0">
-                          <a:latin typeface="Cambria Math" panose="02040503050406030204" pitchFamily="18" charset="0"/>
-                        </a:rPr>
-                        <m:t>yy</m:t>
-                      </m:r>
-                    </m:oMath>
-                  </m:oMathPara>
-                </a14:m>
-                <a:endParaRPr lang="en-US" dirty="0"/>
-              </a:p>
-            </p:txBody>
-          </p:sp>
-        </mc:Choice>
-        <mc:Fallback>
-          <p:sp>
-            <p:nvSpPr>
-              <p:cNvPr id="7" name="TextBox 6">
-                <a:extLst>
-                  <a:ext uri="{FF2B5EF4-FFF2-40B4-BE49-F238E27FC236}">
-                    <a16:creationId xmlns:a16="http://schemas.microsoft.com/office/drawing/2014/main" id="{4ED51F71-3776-0839-C045-4E60EA13AE83}"/>
-                  </a:ext>
-                </a:extLst>
-              </p:cNvPr>
-              <p:cNvSpPr txBox="1">
-                <a:spLocks noRot="1" noChangeAspect="1" noMove="1" noResize="1" noEditPoints="1" noAdjustHandles="1" noChangeArrowheads="1" noChangeShapeType="1" noTextEdit="1"/>
-              </p:cNvSpPr>
-              <p:nvPr/>
-            </p:nvSpPr>
-            <p:spPr>
-              <a:xfrm>
-                <a:off x="5664613" y="3291840"/>
-                <a:ext cx="2874761" cy="276999"/>
-              </a:xfrm>
-              <a:prstGeom prst="rect">
-                <a:avLst/>
-              </a:prstGeom>
-              <a:blipFill>
-                <a:blip r:embed="rId6"/>
-                <a:stretch>
-                  <a:fillRect l="-1483" t="-2222" r="-1483" b="-35556"/>
-                </a:stretch>
-              </a:blipFill>
-            </p:spPr>
-            <p:txBody>
-              <a:bodyPr/>
-              <a:lstStyle/>
-              <a:p>
-                <a:r>
-                  <a:rPr lang="en-US">
-                    <a:noFill/>
-                  </a:rPr>
-                  <a:t> </a:t>
-                </a:r>
-              </a:p>
-            </p:txBody>
-          </p:sp>
-        </mc:Fallback>
-      </mc:AlternateContent>
-    </p:spTree>
-    <p:extLst>
-      <p:ext uri="{BB962C8B-B14F-4D97-AF65-F5344CB8AC3E}">
-        <p14:creationId xmlns:p14="http://schemas.microsoft.com/office/powerpoint/2010/main" val="1197754740"/>
-      </p:ext>
-    </p:extLst>
-  </p:cSld>
-  <p:clrMapOvr>
-    <a:masterClrMapping/>
-  </p:clrMapOvr>
-</p:sld>
-</file>
-
-<file path=ppt/slides/slide8.xml><?xml version="1.0" encoding="utf-8"?>
-<p:sld xmlns:a="http://schemas.openxmlformats.org/drawingml/2006/main" xmlns:r="http://schemas.openxmlformats.org/officeDocument/2006/relationships" xmlns:p="http://schemas.openxmlformats.org/presentationml/2006/main">
-  <p:cSld>
-    <p:spTree>
-      <p:nvGrpSpPr>
-        <p:cNvPr id="1" name=""/>
-        <p:cNvGrpSpPr/>
-        <p:nvPr/>
-      </p:nvGrpSpPr>
-      <p:grpSpPr>
-        <a:xfrm>
-          <a:off x="0" y="0"/>
-          <a:ext cx="0" cy="0"/>
-          <a:chOff x="0" y="0"/>
-          <a:chExt cx="0" cy="0"/>
-        </a:xfrm>
-      </p:grpSpPr>
-      <p:sp>
-        <p:nvSpPr>
-          <p:cNvPr id="2" name="Rectangle 1">
-            <a:extLst>
-              <a:ext uri="{FF2B5EF4-FFF2-40B4-BE49-F238E27FC236}">
-                <a16:creationId xmlns:a16="http://schemas.microsoft.com/office/drawing/2014/main" id="{5C2DE492-39E3-9B21-EB24-291FF963C0F9}"/>
-              </a:ext>
-            </a:extLst>
-          </p:cNvPr>
-          <p:cNvSpPr/>
-          <p:nvPr/>
-        </p:nvSpPr>
-        <p:spPr>
-          <a:xfrm>
-            <a:off x="1676400" y="971550"/>
-            <a:ext cx="2362200" cy="3238500"/>
-          </a:xfrm>
-          <a:prstGeom prst="rect">
-            <a:avLst/>
-          </a:prstGeom>
-          <a:solidFill>
-            <a:schemeClr val="bg1"/>
-          </a:solidFill>
-        </p:spPr>
-        <p:style>
-          <a:lnRef idx="2">
-            <a:schemeClr val="accent1">
-              <a:shade val="15000"/>
-            </a:schemeClr>
-          </a:lnRef>
-          <a:fillRef idx="1">
-            <a:schemeClr val="accent1"/>
-          </a:fillRef>
-          <a:effectRef idx="0">
-            <a:schemeClr val="accent1"/>
-          </a:effectRef>
-          <a:fontRef idx="minor">
-            <a:schemeClr val="lt1"/>
-          </a:fontRef>
-        </p:style>
-        <p:txBody>
-          <a:bodyPr rtlCol="0" anchor="ctr"/>
-          <a:lstStyle/>
-          <a:p>
-            <a:pPr algn="ctr"/>
-            <a:r>
-              <a:rPr lang="en-US" sz="3200" b="1" dirty="0">
-                <a:solidFill>
-                  <a:srgbClr val="FF0000"/>
-                </a:solidFill>
-              </a:rPr>
-              <a:t>RED</a:t>
-            </a:r>
-          </a:p>
-          <a:p>
-            <a:pPr algn="ctr"/>
-            <a:r>
-              <a:rPr lang="en-US" sz="3200" b="1" dirty="0">
-                <a:solidFill>
-                  <a:srgbClr val="FF7F50"/>
-                </a:solidFill>
-              </a:rPr>
-              <a:t>CORAL</a:t>
-            </a:r>
-          </a:p>
-          <a:p>
-            <a:pPr algn="ctr"/>
-            <a:r>
-              <a:rPr lang="en-US" sz="3200" b="1" dirty="0">
-                <a:solidFill>
-                  <a:srgbClr val="40E0D0"/>
-                </a:solidFill>
-              </a:rPr>
-              <a:t>TURQUOISE</a:t>
-            </a:r>
-          </a:p>
-          <a:p>
-            <a:pPr algn="ctr"/>
-            <a:r>
-              <a:rPr lang="en-US" sz="3200" b="1" dirty="0">
-                <a:solidFill>
-                  <a:srgbClr val="800080"/>
-                </a:solidFill>
-              </a:rPr>
-              <a:t>PURPLE</a:t>
-            </a:r>
-          </a:p>
-          <a:p>
-            <a:pPr algn="ctr"/>
-            <a:r>
-              <a:rPr lang="en-US" sz="3200" b="1" dirty="0">
-                <a:solidFill>
-                  <a:srgbClr val="FFBF00"/>
-                </a:solidFill>
-              </a:rPr>
-              <a:t>AMBER</a:t>
-            </a:r>
-          </a:p>
-        </p:txBody>
-      </p:sp>
-      <p:sp>
-        <p:nvSpPr>
-          <p:cNvPr id="3" name="Rectangle 2">
-            <a:extLst>
-              <a:ext uri="{FF2B5EF4-FFF2-40B4-BE49-F238E27FC236}">
-                <a16:creationId xmlns:a16="http://schemas.microsoft.com/office/drawing/2014/main" id="{FAD3903B-6C79-3734-7EB7-1472067A3430}"/>
-              </a:ext>
-            </a:extLst>
-          </p:cNvPr>
-          <p:cNvSpPr/>
-          <p:nvPr/>
-        </p:nvSpPr>
-        <p:spPr>
-          <a:xfrm>
-            <a:off x="9829800" y="942975"/>
-            <a:ext cx="2362200" cy="3238500"/>
-          </a:xfrm>
-          <a:prstGeom prst="rect">
-            <a:avLst/>
-          </a:prstGeom>
-          <a:solidFill>
-            <a:schemeClr val="bg1"/>
-          </a:solidFill>
-        </p:spPr>
-        <p:style>
-          <a:lnRef idx="2">
-            <a:schemeClr val="accent1">
-              <a:shade val="15000"/>
-            </a:schemeClr>
-          </a:lnRef>
-          <a:fillRef idx="1">
-            <a:schemeClr val="accent1"/>
-          </a:fillRef>
-          <a:effectRef idx="0">
-            <a:schemeClr val="accent1"/>
-          </a:effectRef>
-          <a:fontRef idx="minor">
-            <a:schemeClr val="lt1"/>
-          </a:fontRef>
-        </p:style>
-        <p:txBody>
-          <a:bodyPr rtlCol="0" anchor="ctr"/>
-          <a:lstStyle/>
-          <a:p>
-            <a:pPr algn="ctr"/>
-            <a:r>
-              <a:rPr lang="en-US" sz="3200" dirty="0">
-                <a:solidFill>
-                  <a:srgbClr val="0070C0"/>
-                </a:solidFill>
-              </a:rPr>
-              <a:t>BLUE</a:t>
-            </a:r>
-          </a:p>
-          <a:p>
-            <a:pPr algn="ctr"/>
-            <a:r>
-              <a:rPr lang="en-US" sz="3200" dirty="0">
-                <a:solidFill>
-                  <a:srgbClr val="DC143C"/>
-                </a:solidFill>
-              </a:rPr>
-              <a:t>CRIMSON</a:t>
-            </a:r>
-          </a:p>
-          <a:p>
-            <a:pPr algn="ctr"/>
-            <a:r>
-              <a:rPr lang="en-US" sz="3200" dirty="0">
-                <a:solidFill>
-                  <a:srgbClr val="CCCCFF"/>
-                </a:solidFill>
-              </a:rPr>
-              <a:t>PERIWINKLE</a:t>
-            </a:r>
-          </a:p>
-          <a:p>
-            <a:pPr algn="ctr"/>
-            <a:r>
-              <a:rPr lang="en-US" sz="3200" dirty="0">
-                <a:solidFill>
-                  <a:srgbClr val="FFA500"/>
-                </a:solidFill>
-              </a:rPr>
-              <a:t>ORANGE</a:t>
-            </a:r>
-          </a:p>
-          <a:p>
-            <a:pPr algn="ctr"/>
-            <a:r>
-              <a:rPr lang="en-US" sz="3200" dirty="0">
-                <a:solidFill>
-                  <a:schemeClr val="accent6">
-                    <a:lumMod val="75000"/>
-                  </a:schemeClr>
-                </a:solidFill>
-              </a:rPr>
-              <a:t>GREEN</a:t>
-            </a:r>
-          </a:p>
-        </p:txBody>
-      </p:sp>
-      <p:sp>
-        <p:nvSpPr>
-          <p:cNvPr id="12" name="Rectangle 11">
-            <a:extLst>
-              <a:ext uri="{FF2B5EF4-FFF2-40B4-BE49-F238E27FC236}">
-                <a16:creationId xmlns:a16="http://schemas.microsoft.com/office/drawing/2014/main" id="{8CD248DA-F53D-263E-C0E0-58DD82C7B592}"/>
-              </a:ext>
-            </a:extLst>
-          </p:cNvPr>
-          <p:cNvSpPr/>
-          <p:nvPr/>
-        </p:nvSpPr>
-        <p:spPr>
-          <a:xfrm>
-            <a:off x="4572000" y="971550"/>
-            <a:ext cx="2362200" cy="3238500"/>
-          </a:xfrm>
-          <a:prstGeom prst="rect">
-            <a:avLst/>
-          </a:prstGeom>
-          <a:solidFill>
-            <a:schemeClr val="bg1"/>
-          </a:solidFill>
-        </p:spPr>
-        <p:style>
-          <a:lnRef idx="2">
-            <a:schemeClr val="accent1">
-              <a:shade val="15000"/>
-            </a:schemeClr>
-          </a:lnRef>
-          <a:fillRef idx="1">
-            <a:schemeClr val="accent1"/>
-          </a:fillRef>
-          <a:effectRef idx="0">
-            <a:schemeClr val="accent1"/>
-          </a:effectRef>
-          <a:fontRef idx="minor">
-            <a:schemeClr val="lt1"/>
-          </a:fontRef>
-        </p:style>
-        <p:txBody>
-          <a:bodyPr rtlCol="0" anchor="ctr"/>
-          <a:lstStyle/>
-          <a:p>
-            <a:pPr algn="ctr"/>
-            <a:r>
-              <a:rPr lang="en-US" sz="3200" b="1" dirty="0">
-                <a:solidFill>
-                  <a:srgbClr val="DC113A"/>
-                </a:solidFill>
-              </a:rPr>
-              <a:t>BLUE</a:t>
-            </a:r>
-          </a:p>
-          <a:p>
-            <a:pPr algn="ctr"/>
-            <a:r>
-              <a:rPr lang="en-US" sz="3200" b="1" dirty="0">
-                <a:solidFill>
-                  <a:srgbClr val="FFA500"/>
-                </a:solidFill>
-              </a:rPr>
-              <a:t>CRIMSON</a:t>
-            </a:r>
-          </a:p>
-          <a:p>
-            <a:pPr algn="ctr"/>
-            <a:r>
-              <a:rPr lang="en-US" sz="3200" b="1" dirty="0">
-                <a:solidFill>
-                  <a:srgbClr val="106600"/>
-                </a:solidFill>
-              </a:rPr>
-              <a:t>PERIWINKLE</a:t>
-            </a:r>
-          </a:p>
-          <a:p>
-            <a:pPr algn="ctr"/>
-            <a:r>
-              <a:rPr lang="en-US" sz="3200" b="1" dirty="0">
-                <a:solidFill>
-                  <a:srgbClr val="006CBF"/>
-                </a:solidFill>
-              </a:rPr>
-              <a:t>ORANGE</a:t>
-            </a:r>
-          </a:p>
-          <a:p>
-            <a:pPr algn="ctr"/>
-            <a:r>
-              <a:rPr lang="en-US" sz="3200" b="1" dirty="0">
-                <a:solidFill>
-                  <a:srgbClr val="C8C8FF"/>
-                </a:solidFill>
-              </a:rPr>
-              <a:t>GREEN</a:t>
-            </a:r>
-          </a:p>
-        </p:txBody>
-      </p:sp>
-    </p:spTree>
-    <p:extLst>
-      <p:ext uri="{BB962C8B-B14F-4D97-AF65-F5344CB8AC3E}">
-        <p14:creationId xmlns:p14="http://schemas.microsoft.com/office/powerpoint/2010/main" val="3990648268"/>
-      </p:ext>
-    </p:extLst>
-  </p:cSld>
-  <p:clrMapOvr>
-    <a:masterClrMapping/>
-  </p:clrMapOvr>
-</p:sld>
-</file>
-
-<file path=ppt/slides/slide9.xml><?xml version="1.0" encoding="utf-8"?>
-<p:sld xmlns:a="http://schemas.openxmlformats.org/drawingml/2006/main" xmlns:r="http://schemas.openxmlformats.org/officeDocument/2006/relationships" xmlns:p="http://schemas.openxmlformats.org/presentationml/2006/main">
-  <p:cSld>
-    <p:spTree>
-      <p:nvGrpSpPr>
-        <p:cNvPr id="1" name=""/>
-        <p:cNvGrpSpPr/>
-        <p:nvPr/>
-      </p:nvGrpSpPr>
-      <p:grpSpPr>
-        <a:xfrm>
-          <a:off x="0" y="0"/>
-          <a:ext cx="0" cy="0"/>
-          <a:chOff x="0" y="0"/>
-          <a:chExt cx="0" cy="0"/>
-        </a:xfrm>
-      </p:grpSpPr>
-      <p:graphicFrame>
-        <p:nvGraphicFramePr>
-          <p:cNvPr id="2" name="Table 1">
-            <a:extLst>
-              <a:ext uri="{FF2B5EF4-FFF2-40B4-BE49-F238E27FC236}">
-                <a16:creationId xmlns:a16="http://schemas.microsoft.com/office/drawing/2014/main" id="{EF9F9C38-40AB-A956-27D4-1135C2C1D98A}"/>
-              </a:ext>
-            </a:extLst>
-          </p:cNvPr>
-          <p:cNvGraphicFramePr>
-            <a:graphicFrameLocks noGrp="1"/>
-          </p:cNvGraphicFramePr>
-          <p:nvPr>
-            <p:extLst>
-              <p:ext uri="{D42A27DB-BD31-4B8C-83A1-F6EECF244321}">
-                <p14:modId xmlns:p14="http://schemas.microsoft.com/office/powerpoint/2010/main" val="758765144"/>
-              </p:ext>
-            </p:extLst>
-          </p:nvPr>
-        </p:nvGraphicFramePr>
-        <p:xfrm>
-          <a:off x="3209925" y="581025"/>
-          <a:ext cx="4308474" cy="3363832"/>
-        </p:xfrm>
-        <a:graphic>
-          <a:graphicData uri="http://schemas.openxmlformats.org/drawingml/2006/table">
-            <a:tbl>
-              <a:tblPr firstRow="1" firstCol="1" bandRow="1">
-                <a:tableStyleId>{5C22544A-7EE6-4342-B048-85BDC9FD1C3A}</a:tableStyleId>
-              </a:tblPr>
-              <a:tblGrid>
-                <a:gridCol w="974814">
-                  <a:extLst>
-                    <a:ext uri="{9D8B030D-6E8A-4147-A177-3AD203B41FA5}">
-                      <a16:colId xmlns:a16="http://schemas.microsoft.com/office/drawing/2014/main" val="1593225878"/>
-                    </a:ext>
-                  </a:extLst>
-                </a:gridCol>
-                <a:gridCol w="549186">
-                  <a:extLst>
-                    <a:ext uri="{9D8B030D-6E8A-4147-A177-3AD203B41FA5}">
-                      <a16:colId xmlns:a16="http://schemas.microsoft.com/office/drawing/2014/main" val="2093987276"/>
-                    </a:ext>
-                  </a:extLst>
-                </a:gridCol>
-                <a:gridCol w="1314450">
-                  <a:extLst>
-                    <a:ext uri="{9D8B030D-6E8A-4147-A177-3AD203B41FA5}">
-                      <a16:colId xmlns:a16="http://schemas.microsoft.com/office/drawing/2014/main" val="1011674339"/>
-                    </a:ext>
-                  </a:extLst>
-                </a:gridCol>
-                <a:gridCol w="1470024">
-                  <a:extLst>
-                    <a:ext uri="{9D8B030D-6E8A-4147-A177-3AD203B41FA5}">
-                      <a16:colId xmlns:a16="http://schemas.microsoft.com/office/drawing/2014/main" val="3298140012"/>
-                    </a:ext>
-                  </a:extLst>
-                </a:gridCol>
-              </a:tblGrid>
-              <a:tr h="373226">
-                <a:tc rowSpan="2" gridSpan="2">
-                  <a:txBody>
-                    <a:bodyPr/>
-                    <a:lstStyle/>
-                    <a:p>
-                      <a:pPr marL="0" marR="0" algn="ctr">
-                        <a:lnSpc>
-                          <a:spcPct val="115000"/>
-                        </a:lnSpc>
-                        <a:spcBef>
-                          <a:spcPts val="1195"/>
-                        </a:spcBef>
-                        <a:spcAft>
-                          <a:spcPts val="0"/>
-                        </a:spcAft>
-                        <a:tabLst/>
-                      </a:pPr>
-                      <a:r>
-                        <a:rPr lang="en-US" sz="1200" dirty="0">
-                          <a:effectLst/>
-                        </a:rPr>
-                        <a:t> </a:t>
-                      </a:r>
-                      <a:endParaRPr lang="en-US" sz="1200" dirty="0">
-                        <a:effectLst/>
-                        <a:latin typeface="Times New Roman" panose="02020603050405020304" pitchFamily="18" charset="0"/>
-                        <a:ea typeface="Times New Roman" panose="02020603050405020304" pitchFamily="18" charset="0"/>
-                        <a:cs typeface="Latha" panose="020B0604020202020204" pitchFamily="34" charset="0"/>
-                      </a:endParaRPr>
-                    </a:p>
-                  </a:txBody>
-                  <a:tcPr marL="68580" marR="68580" marT="0" marB="0"/>
-                </a:tc>
-                <a:tc rowSpan="2" hMerge="1">
-                  <a:txBody>
-                    <a:bodyPr/>
-                    <a:lstStyle/>
-                    <a:p>
-                      <a:endParaRPr lang="en-US"/>
-                    </a:p>
-                  </a:txBody>
-                  <a:tcPr/>
-                </a:tc>
-                <a:tc gridSpan="2">
-                  <a:txBody>
-                    <a:bodyPr/>
-                    <a:lstStyle/>
-                    <a:p>
-                      <a:pPr marL="0" marR="0" algn="ctr">
-                        <a:lnSpc>
-                          <a:spcPct val="100000"/>
-                        </a:lnSpc>
-                        <a:spcBef>
-                          <a:spcPts val="1195"/>
-                        </a:spcBef>
-                        <a:spcAft>
-                          <a:spcPts val="0"/>
-                        </a:spcAft>
-                      </a:pPr>
-                      <a:endParaRPr lang="en-US" sz="1200" dirty="0">
-                        <a:effectLst/>
-                      </a:endParaRPr>
-                    </a:p>
-                    <a:p>
-                      <a:pPr marL="0" marR="0" algn="ctr">
-                        <a:lnSpc>
-                          <a:spcPct val="100000"/>
-                        </a:lnSpc>
-                        <a:spcBef>
-                          <a:spcPts val="1195"/>
-                        </a:spcBef>
-                        <a:spcAft>
-                          <a:spcPts val="0"/>
-                        </a:spcAft>
-                      </a:pPr>
-                      <a:r>
-                        <a:rPr lang="en-US" sz="1200" dirty="0">
-                          <a:effectLst/>
-                        </a:rPr>
-                        <a:t>Tested in Messy Room</a:t>
-                      </a:r>
-                    </a:p>
-                    <a:p>
-                      <a:pPr marL="0" marR="0" algn="ctr">
-                        <a:lnSpc>
-                          <a:spcPct val="100000"/>
-                        </a:lnSpc>
-                        <a:spcBef>
-                          <a:spcPts val="1195"/>
-                        </a:spcBef>
-                        <a:spcAft>
-                          <a:spcPts val="0"/>
-                        </a:spcAft>
-                      </a:pPr>
-                      <a:endParaRPr lang="en-US" sz="1200" dirty="0">
-                        <a:effectLst/>
-                        <a:latin typeface="Times New Roman" panose="02020603050405020304" pitchFamily="18" charset="0"/>
-                        <a:ea typeface="Times New Roman" panose="02020603050405020304" pitchFamily="18" charset="0"/>
-                        <a:cs typeface="Latha" panose="020B0604020202020204" pitchFamily="34" charset="0"/>
-                      </a:endParaRPr>
-                    </a:p>
-                  </a:txBody>
-                  <a:tcPr marL="68580" marR="68580" marT="0" marB="0" anchor="ctr"/>
-                </a:tc>
-                <a:tc hMerge="1">
-                  <a:txBody>
-                    <a:bodyPr/>
-                    <a:lstStyle/>
-                    <a:p>
-                      <a:endParaRPr lang="en-US"/>
-                    </a:p>
-                  </a:txBody>
-                  <a:tcPr/>
-                </a:tc>
-                <a:extLst>
-                  <a:ext uri="{0D108BD9-81ED-4DB2-BD59-A6C34878D82A}">
-                    <a16:rowId xmlns:a16="http://schemas.microsoft.com/office/drawing/2014/main" val="2631453278"/>
-                  </a:ext>
-                </a:extLst>
-              </a:tr>
-              <a:tr h="199313">
-                <a:tc gridSpan="2" vMerge="1">
-                  <a:txBody>
-                    <a:bodyPr/>
-                    <a:lstStyle/>
-                    <a:p>
-                      <a:endParaRPr lang="en-US"/>
-                    </a:p>
-                  </a:txBody>
-                  <a:tcPr/>
-                </a:tc>
-                <a:tc hMerge="1" vMerge="1">
-                  <a:txBody>
-                    <a:bodyPr/>
-                    <a:lstStyle/>
-                    <a:p>
-                      <a:endParaRPr lang="en-US"/>
-                    </a:p>
-                  </a:txBody>
-                  <a:tcPr/>
-                </a:tc>
-                <a:tc>
-                  <a:txBody>
-                    <a:bodyPr/>
-                    <a:lstStyle/>
-                    <a:p>
-                      <a:pPr marL="0" marR="0" algn="ctr">
-                        <a:lnSpc>
-                          <a:spcPct val="115000"/>
-                        </a:lnSpc>
-                        <a:spcBef>
-                          <a:spcPts val="1195"/>
-                        </a:spcBef>
-                        <a:spcAft>
-                          <a:spcPts val="0"/>
-                        </a:spcAft>
-                      </a:pPr>
-                      <a:r>
-                        <a:rPr lang="en-US" sz="1200" dirty="0">
-                          <a:effectLst/>
-                        </a:rPr>
-                        <a:t>No</a:t>
-                      </a:r>
-                      <a:endParaRPr lang="en-US" sz="1200" dirty="0">
-                        <a:effectLst/>
-                        <a:latin typeface="Times New Roman" panose="02020603050405020304" pitchFamily="18" charset="0"/>
-                        <a:ea typeface="Times New Roman" panose="02020603050405020304" pitchFamily="18" charset="0"/>
-                        <a:cs typeface="Latha" panose="020B0604020202020204" pitchFamily="34" charset="0"/>
-                      </a:endParaRPr>
-                    </a:p>
-                  </a:txBody>
-                  <a:tcPr marL="68580" marR="68580" marT="0" marB="0"/>
-                </a:tc>
-                <a:tc>
-                  <a:txBody>
-                    <a:bodyPr/>
-                    <a:lstStyle/>
-                    <a:p>
-                      <a:pPr marL="0" marR="0" algn="ctr">
-                        <a:lnSpc>
-                          <a:spcPct val="115000"/>
-                        </a:lnSpc>
-                        <a:spcBef>
-                          <a:spcPts val="1195"/>
-                        </a:spcBef>
-                        <a:spcAft>
-                          <a:spcPts val="0"/>
-                        </a:spcAft>
-                      </a:pPr>
-                      <a:r>
-                        <a:rPr lang="en-US" sz="1200" dirty="0">
-                          <a:effectLst/>
-                        </a:rPr>
-                        <a:t>Yes</a:t>
-                      </a:r>
-                      <a:endParaRPr lang="en-US" sz="1200" dirty="0">
-                        <a:effectLst/>
-                        <a:latin typeface="Times New Roman" panose="02020603050405020304" pitchFamily="18" charset="0"/>
-                        <a:ea typeface="Times New Roman" panose="02020603050405020304" pitchFamily="18" charset="0"/>
-                        <a:cs typeface="Latha" panose="020B0604020202020204" pitchFamily="34" charset="0"/>
-                      </a:endParaRPr>
-                    </a:p>
-                  </a:txBody>
-                  <a:tcPr marL="68580" marR="68580" marT="0" marB="0"/>
-                </a:tc>
-                <a:extLst>
-                  <a:ext uri="{0D108BD9-81ED-4DB2-BD59-A6C34878D82A}">
-                    <a16:rowId xmlns:a16="http://schemas.microsoft.com/office/drawing/2014/main" val="1524768289"/>
-                  </a:ext>
-                </a:extLst>
-              </a:tr>
-              <a:tr h="1074607">
-                <a:tc rowSpan="2">
-                  <a:txBody>
-                    <a:bodyPr/>
-                    <a:lstStyle/>
-                    <a:p>
-                      <a:pPr marL="71755" marR="71755" algn="ctr">
-                        <a:lnSpc>
-                          <a:spcPct val="115000"/>
-                        </a:lnSpc>
-                        <a:spcBef>
-                          <a:spcPts val="1195"/>
-                        </a:spcBef>
-                        <a:spcAft>
-                          <a:spcPts val="0"/>
-                        </a:spcAft>
-                      </a:pPr>
-                      <a:r>
-                        <a:rPr lang="en-US" sz="1200" dirty="0">
-                          <a:effectLst/>
-                        </a:rPr>
-                        <a:t>Private Body Consciousness</a:t>
-                      </a:r>
-                      <a:endParaRPr lang="en-US" sz="1200" dirty="0">
-                        <a:effectLst/>
-                        <a:latin typeface="Times New Roman" panose="02020603050405020304" pitchFamily="18" charset="0"/>
-                        <a:ea typeface="Times New Roman" panose="02020603050405020304" pitchFamily="18" charset="0"/>
-                        <a:cs typeface="Latha" panose="020B0604020202020204" pitchFamily="34" charset="0"/>
-                      </a:endParaRPr>
-                    </a:p>
-                  </a:txBody>
-                  <a:tcPr marL="68580" marR="68580" marT="0" marB="0" vert="vert270" anchor="ctr"/>
-                </a:tc>
-                <a:tc>
-                  <a:txBody>
-                    <a:bodyPr/>
-                    <a:lstStyle/>
-                    <a:p>
-                      <a:pPr marL="71755" marR="71755" algn="ctr">
-                        <a:lnSpc>
-                          <a:spcPct val="115000"/>
-                        </a:lnSpc>
-                        <a:spcBef>
-                          <a:spcPts val="1195"/>
-                        </a:spcBef>
-                        <a:spcAft>
-                          <a:spcPts val="0"/>
-                        </a:spcAft>
-                      </a:pPr>
-                      <a:r>
-                        <a:rPr lang="en-US" sz="1200" dirty="0">
-                          <a:effectLst/>
-                        </a:rPr>
-                        <a:t>Low</a:t>
-                      </a:r>
-                      <a:endParaRPr lang="en-US" sz="1200" dirty="0">
-                        <a:effectLst/>
-                        <a:latin typeface="Times New Roman" panose="02020603050405020304" pitchFamily="18" charset="0"/>
-                        <a:ea typeface="Times New Roman" panose="02020603050405020304" pitchFamily="18" charset="0"/>
-                        <a:cs typeface="Latha" panose="020B0604020202020204" pitchFamily="34" charset="0"/>
-                      </a:endParaRPr>
-                    </a:p>
-                  </a:txBody>
-                  <a:tcPr marL="68580" marR="68580" marT="0" marB="0" vert="vert270" anchor="ctr"/>
-                </a:tc>
-                <a:tc>
-                  <a:txBody>
-                    <a:bodyPr/>
-                    <a:lstStyle/>
-                    <a:p>
-                      <a:pPr marL="0" marR="0" algn="ctr">
-                        <a:lnSpc>
-                          <a:spcPct val="115000"/>
-                        </a:lnSpc>
-                        <a:spcBef>
-                          <a:spcPts val="1195"/>
-                        </a:spcBef>
-                        <a:spcAft>
-                          <a:spcPts val="0"/>
-                        </a:spcAft>
-                      </a:pPr>
-                      <a:r>
-                        <a:rPr lang="en-US" sz="1200" dirty="0">
-                          <a:effectLst/>
-                        </a:rPr>
-                        <a:t>Typical moral judgments </a:t>
-                      </a:r>
-                      <a:endParaRPr lang="en-US" sz="1200" dirty="0">
-                        <a:effectLst/>
-                        <a:latin typeface="Times New Roman" panose="02020603050405020304" pitchFamily="18" charset="0"/>
-                        <a:ea typeface="Times New Roman" panose="02020603050405020304" pitchFamily="18" charset="0"/>
-                        <a:cs typeface="Latha" panose="020B0604020202020204" pitchFamily="34" charset="0"/>
-                      </a:endParaRPr>
-                    </a:p>
-                  </a:txBody>
-                  <a:tcPr marL="68580" marR="68580" marT="0" marB="0" anchor="ctr"/>
-                </a:tc>
-                <a:tc>
-                  <a:txBody>
-                    <a:bodyPr/>
-                    <a:lstStyle/>
-                    <a:p>
-                      <a:pPr marL="0" marR="0" algn="ctr">
-                        <a:lnSpc>
-                          <a:spcPct val="115000"/>
-                        </a:lnSpc>
-                        <a:spcBef>
-                          <a:spcPts val="1195"/>
-                        </a:spcBef>
-                        <a:spcAft>
-                          <a:spcPts val="0"/>
-                        </a:spcAft>
-                      </a:pPr>
-                      <a:r>
-                        <a:rPr lang="en-US" sz="1200" dirty="0">
-                          <a:effectLst/>
-                        </a:rPr>
-                        <a:t> Typical moral judgments</a:t>
-                      </a:r>
-                      <a:endParaRPr lang="en-US" sz="1200" dirty="0">
-                        <a:effectLst/>
-                        <a:latin typeface="Times New Roman" panose="02020603050405020304" pitchFamily="18" charset="0"/>
-                        <a:ea typeface="Times New Roman" panose="02020603050405020304" pitchFamily="18" charset="0"/>
-                        <a:cs typeface="Latha" panose="020B0604020202020204" pitchFamily="34" charset="0"/>
-                      </a:endParaRPr>
-                    </a:p>
-                  </a:txBody>
-                  <a:tcPr marL="68580" marR="68580" marT="0" marB="0" anchor="ctr"/>
-                </a:tc>
-                <a:extLst>
-                  <a:ext uri="{0D108BD9-81ED-4DB2-BD59-A6C34878D82A}">
-                    <a16:rowId xmlns:a16="http://schemas.microsoft.com/office/drawing/2014/main" val="575371064"/>
-                  </a:ext>
-                </a:extLst>
-              </a:tr>
-              <a:tr h="1236472">
-                <a:tc vMerge="1">
-                  <a:txBody>
-                    <a:bodyPr/>
-                    <a:lstStyle/>
-                    <a:p>
-                      <a:endParaRPr lang="en-US"/>
-                    </a:p>
-                  </a:txBody>
-                  <a:tcPr/>
-                </a:tc>
-                <a:tc>
-                  <a:txBody>
-                    <a:bodyPr/>
-                    <a:lstStyle/>
-                    <a:p>
-                      <a:pPr marL="71755" marR="71755" algn="ctr">
-                        <a:lnSpc>
-                          <a:spcPct val="115000"/>
-                        </a:lnSpc>
-                        <a:spcBef>
-                          <a:spcPts val="1195"/>
-                        </a:spcBef>
-                        <a:spcAft>
-                          <a:spcPts val="0"/>
-                        </a:spcAft>
-                      </a:pPr>
-                      <a:r>
-                        <a:rPr lang="en-US" sz="1200" dirty="0">
-                          <a:effectLst/>
-                        </a:rPr>
-                        <a:t>High</a:t>
-                      </a:r>
-                      <a:endParaRPr lang="en-US" sz="1200" dirty="0">
-                        <a:effectLst/>
-                        <a:latin typeface="Times New Roman" panose="02020603050405020304" pitchFamily="18" charset="0"/>
-                        <a:ea typeface="Times New Roman" panose="02020603050405020304" pitchFamily="18" charset="0"/>
-                        <a:cs typeface="Latha" panose="020B0604020202020204" pitchFamily="34" charset="0"/>
-                      </a:endParaRPr>
-                    </a:p>
-                  </a:txBody>
-                  <a:tcPr marL="68580" marR="68580" marT="0" marB="0" vert="vert270" anchor="ctr"/>
-                </a:tc>
-                <a:tc>
-                  <a:txBody>
-                    <a:bodyPr/>
-                    <a:lstStyle/>
-                    <a:p>
-                      <a:pPr marL="0" marR="0" algn="ctr">
-                        <a:lnSpc>
-                          <a:spcPct val="115000"/>
-                        </a:lnSpc>
-                        <a:spcBef>
-                          <a:spcPts val="1195"/>
-                        </a:spcBef>
-                        <a:spcAft>
-                          <a:spcPts val="0"/>
-                        </a:spcAft>
-                      </a:pPr>
-                      <a:r>
-                        <a:rPr lang="en-US" sz="1200" dirty="0">
-                          <a:effectLst/>
-                        </a:rPr>
-                        <a:t> Typical moral judgments</a:t>
-                      </a:r>
-                      <a:endParaRPr lang="en-US" sz="1200" dirty="0">
-                        <a:effectLst/>
-                        <a:latin typeface="Times New Roman" panose="02020603050405020304" pitchFamily="18" charset="0"/>
-                        <a:ea typeface="Times New Roman" panose="02020603050405020304" pitchFamily="18" charset="0"/>
-                        <a:cs typeface="Latha" panose="020B0604020202020204" pitchFamily="34" charset="0"/>
-                      </a:endParaRPr>
-                    </a:p>
-                  </a:txBody>
-                  <a:tcPr marL="68580" marR="68580" marT="0" marB="0" anchor="ctr"/>
-                </a:tc>
-                <a:tc>
-                  <a:txBody>
-                    <a:bodyPr/>
-                    <a:lstStyle/>
-                    <a:p>
-                      <a:pPr marL="0" marR="0" algn="ctr">
-                        <a:lnSpc>
-                          <a:spcPct val="115000"/>
-                        </a:lnSpc>
-                        <a:spcBef>
-                          <a:spcPts val="1195"/>
-                        </a:spcBef>
-                        <a:spcAft>
-                          <a:spcPts val="0"/>
-                        </a:spcAft>
-                      </a:pPr>
-                      <a:r>
-                        <a:rPr lang="en-US" sz="1200" dirty="0">
-                          <a:effectLst/>
-                        </a:rPr>
-                        <a:t> </a:t>
-                      </a:r>
-                      <a:r>
-                        <a:rPr lang="en-US" sz="1200" b="1" dirty="0">
-                          <a:effectLst/>
-                        </a:rPr>
-                        <a:t>Very harsh moral judgments</a:t>
-                      </a:r>
-                      <a:endParaRPr lang="en-US" sz="1200" b="1" dirty="0">
-                        <a:effectLst/>
-                        <a:latin typeface="Times New Roman" panose="02020603050405020304" pitchFamily="18" charset="0"/>
-                        <a:ea typeface="Times New Roman" panose="02020603050405020304" pitchFamily="18" charset="0"/>
-                        <a:cs typeface="Latha" panose="020B0604020202020204" pitchFamily="34" charset="0"/>
-                      </a:endParaRPr>
-                    </a:p>
-                  </a:txBody>
-                  <a:tcPr marL="68580" marR="68580" marT="0" marB="0" anchor="ctr"/>
-                </a:tc>
-                <a:extLst>
-                  <a:ext uri="{0D108BD9-81ED-4DB2-BD59-A6C34878D82A}">
-                    <a16:rowId xmlns:a16="http://schemas.microsoft.com/office/drawing/2014/main" val="1262687447"/>
-                  </a:ext>
-                </a:extLst>
-              </a:tr>
-            </a:tbl>
-          </a:graphicData>
-        </a:graphic>
-      </p:graphicFrame>
-    </p:spTree>
-    <p:extLst>
-      <p:ext uri="{BB962C8B-B14F-4D97-AF65-F5344CB8AC3E}">
-        <p14:creationId xmlns:p14="http://schemas.microsoft.com/office/powerpoint/2010/main" val="304782113"/>
       </p:ext>
     </p:extLst>
   </p:cSld>
